--- a/doc/diagrams/LogicComponent.pptx
+++ b/doc/diagrams/LogicComponent.pptx
@@ -193,7 +193,7 @@
             <a:fld id="{AF301891-4E62-472A-98E9-95DBD40531A4}" type="datetimeFigureOut">
               <a:rPr lang="en-SG" smtClean="0"/>
               <a:pPr/>
-              <a:t>4/1/2014</a:t>
+              <a:t>6/5/2014</a:t>
             </a:fld>
             <a:endParaRPr lang="en-SG"/>
           </a:p>
@@ -748,7 +748,7 @@
             <a:fld id="{1D8BD707-D9CF-40AE-B4C6-C98DA3205C09}" type="datetimeFigureOut">
               <a:rPr lang="en-US" smtClean="0"/>
               <a:pPr/>
-              <a:t>1/4/2014</a:t>
+              <a:t>5/6/2014</a:t>
             </a:fld>
             <a:endParaRPr lang="en-US"/>
           </a:p>
@@ -962,7 +962,7 @@
             <a:fld id="{1D8BD707-D9CF-40AE-B4C6-C98DA3205C09}" type="datetimeFigureOut">
               <a:rPr lang="en-US" smtClean="0"/>
               <a:pPr/>
-              <a:t>1/4/2014</a:t>
+              <a:t>5/6/2014</a:t>
             </a:fld>
             <a:endParaRPr lang="en-US"/>
           </a:p>
@@ -1169,7 +1169,7 @@
             <a:fld id="{1D8BD707-D9CF-40AE-B4C6-C98DA3205C09}" type="datetimeFigureOut">
               <a:rPr lang="en-US" smtClean="0"/>
               <a:pPr/>
-              <a:t>1/4/2014</a:t>
+              <a:t>5/6/2014</a:t>
             </a:fld>
             <a:endParaRPr lang="en-US"/>
           </a:p>
@@ -1376,7 +1376,7 @@
             <a:fld id="{1D8BD707-D9CF-40AE-B4C6-C98DA3205C09}" type="datetimeFigureOut">
               <a:rPr lang="en-US" smtClean="0"/>
               <a:pPr/>
-              <a:t>1/4/2014</a:t>
+              <a:t>5/6/2014</a:t>
             </a:fld>
             <a:endParaRPr lang="en-US"/>
           </a:p>
@@ -1649,7 +1649,7 @@
             <a:fld id="{1D8BD707-D9CF-40AE-B4C6-C98DA3205C09}" type="datetimeFigureOut">
               <a:rPr lang="en-US" smtClean="0"/>
               <a:pPr/>
-              <a:t>1/4/2014</a:t>
+              <a:t>5/6/2014</a:t>
             </a:fld>
             <a:endParaRPr lang="en-US"/>
           </a:p>
@@ -1972,7 +1972,7 @@
             <a:fld id="{1D8BD707-D9CF-40AE-B4C6-C98DA3205C09}" type="datetimeFigureOut">
               <a:rPr lang="en-US" smtClean="0"/>
               <a:pPr/>
-              <a:t>1/4/2014</a:t>
+              <a:t>5/6/2014</a:t>
             </a:fld>
             <a:endParaRPr lang="en-US"/>
           </a:p>
@@ -2435,7 +2435,7 @@
             <a:fld id="{1D8BD707-D9CF-40AE-B4C6-C98DA3205C09}" type="datetimeFigureOut">
               <a:rPr lang="en-US" smtClean="0"/>
               <a:pPr/>
-              <a:t>1/4/2014</a:t>
+              <a:t>5/6/2014</a:t>
             </a:fld>
             <a:endParaRPr lang="en-US"/>
           </a:p>
@@ -2582,7 +2582,7 @@
             <a:fld id="{1D8BD707-D9CF-40AE-B4C6-C98DA3205C09}" type="datetimeFigureOut">
               <a:rPr lang="en-US" smtClean="0"/>
               <a:pPr/>
-              <a:t>1/4/2014</a:t>
+              <a:t>5/6/2014</a:t>
             </a:fld>
             <a:endParaRPr lang="en-US"/>
           </a:p>
@@ -2698,7 +2698,7 @@
             <a:fld id="{1D8BD707-D9CF-40AE-B4C6-C98DA3205C09}" type="datetimeFigureOut">
               <a:rPr lang="en-US" smtClean="0"/>
               <a:pPr/>
-              <a:t>1/4/2014</a:t>
+              <a:t>5/6/2014</a:t>
             </a:fld>
             <a:endParaRPr lang="en-US"/>
           </a:p>
@@ -3005,7 +3005,7 @@
             <a:fld id="{1D8BD707-D9CF-40AE-B4C6-C98DA3205C09}" type="datetimeFigureOut">
               <a:rPr lang="en-US" smtClean="0"/>
               <a:pPr/>
-              <a:t>1/4/2014</a:t>
+              <a:t>5/6/2014</a:t>
             </a:fld>
             <a:endParaRPr lang="en-US"/>
           </a:p>
@@ -3288,7 +3288,7 @@
             <a:fld id="{1D8BD707-D9CF-40AE-B4C6-C98DA3205C09}" type="datetimeFigureOut">
               <a:rPr lang="en-US" smtClean="0"/>
               <a:pPr/>
-              <a:t>1/4/2014</a:t>
+              <a:t>5/6/2014</a:t>
             </a:fld>
             <a:endParaRPr lang="en-US"/>
           </a:p>
@@ -3391,8 +3391,8 @@
         </p:nvSpPr>
         <p:spPr>
           <a:xfrm>
-            <a:off x="1295400" y="117742"/>
-            <a:ext cx="6400800" cy="6740257"/>
+            <a:off x="914400" y="117742"/>
+            <a:ext cx="6781800" cy="6740257"/>
           </a:xfrm>
           <a:prstGeom prst="roundRect">
             <a:avLst>
@@ -3450,10 +3450,10 @@
         </p:nvGrpSpPr>
         <p:grpSpPr>
           <a:xfrm>
-            <a:off x="2131864" y="188786"/>
-            <a:ext cx="2258240" cy="2153095"/>
-            <a:chOff x="-828261" y="1447800"/>
-            <a:chExt cx="1971261" cy="2254474"/>
+            <a:off x="1066801" y="536618"/>
+            <a:ext cx="3323303" cy="1805262"/>
+            <a:chOff x="-1757975" y="1812010"/>
+            <a:chExt cx="2900975" cy="1890263"/>
           </a:xfrm>
           <a:solidFill>
             <a:schemeClr val="bg1"/>
@@ -3467,8 +3467,8 @@
           </p:nvSpPr>
           <p:spPr>
             <a:xfrm>
-              <a:off x="-828261" y="1524002"/>
-              <a:ext cx="1971261" cy="2178272"/>
+              <a:off x="-1757975" y="1888427"/>
+              <a:ext cx="2900975" cy="1813846"/>
             </a:xfrm>
             <a:prstGeom prst="rect">
               <a:avLst/>
@@ -3535,7 +3535,7 @@
           </p:nvSpPr>
           <p:spPr>
             <a:xfrm>
-              <a:off x="647700" y="1447800"/>
+              <a:off x="647700" y="1812010"/>
               <a:ext cx="495300" cy="76200"/>
             </a:xfrm>
             <a:prstGeom prst="rect">
@@ -3720,10 +3720,10 @@
         </p:nvGrpSpPr>
         <p:grpSpPr>
           <a:xfrm>
-            <a:off x="2131865" y="2418080"/>
-            <a:ext cx="2258241" cy="2209800"/>
+            <a:off x="1066801" y="2418080"/>
+            <a:ext cx="3323304" cy="2209800"/>
             <a:chOff x="-613964" y="1447800"/>
-            <a:chExt cx="1756964" cy="2071687"/>
+            <a:chExt cx="1756963" cy="2071687"/>
           </a:xfrm>
           <a:solidFill>
             <a:schemeClr val="bg1"/>
@@ -3797,8 +3797,8 @@
           </p:nvSpPr>
           <p:spPr>
             <a:xfrm>
-              <a:off x="647700" y="1447800"/>
-              <a:ext cx="495300" cy="76200"/>
+              <a:off x="843022" y="1447800"/>
+              <a:ext cx="299977" cy="76200"/>
             </a:xfrm>
             <a:prstGeom prst="rect">
               <a:avLst/>
@@ -3851,8 +3851,8 @@
         </p:nvGrpSpPr>
         <p:grpSpPr>
           <a:xfrm>
-            <a:off x="1371600" y="4724400"/>
-            <a:ext cx="6019800" cy="1905000"/>
+            <a:off x="1066800" y="4724400"/>
+            <a:ext cx="6324600" cy="1905000"/>
             <a:chOff x="-4876800" y="1451133"/>
             <a:chExt cx="6019800" cy="1628650"/>
           </a:xfrm>
@@ -4370,13 +4370,15 @@
       <p:cxnSp>
         <p:nvCxnSpPr>
           <p:cNvPr id="48" name="Straight Arrow Connector 47"/>
-          <p:cNvCxnSpPr/>
+          <p:cNvCxnSpPr>
+            <a:endCxn id="49" idx="1"/>
+          </p:cNvCxnSpPr>
           <p:nvPr/>
         </p:nvCxnSpPr>
         <p:spPr>
           <a:xfrm flipV="1">
-            <a:off x="1143000" y="1382618"/>
-            <a:ext cx="990600" cy="9627"/>
+            <a:off x="762000" y="1635999"/>
+            <a:ext cx="1626853" cy="15011"/>
           </a:xfrm>
           <a:prstGeom prst="straightConnector1">
             <a:avLst/>
@@ -4556,7 +4558,7 @@
         </p:nvSpPr>
         <p:spPr>
           <a:xfrm rot="16200000">
-            <a:off x="1824774" y="3437212"/>
+            <a:off x="1443774" y="3437212"/>
             <a:ext cx="1645397" cy="418146"/>
           </a:xfrm>
           <a:prstGeom prst="rect">
@@ -4683,14 +4685,15 @@
         <p:nvCxnSpPr>
           <p:cNvPr id="55" name="Straight Arrow Connector 54"/>
           <p:cNvCxnSpPr>
+            <a:stCxn id="52" idx="2"/>
             <a:endCxn id="51" idx="0"/>
           </p:cNvCxnSpPr>
           <p:nvPr/>
         </p:nvCxnSpPr>
         <p:spPr>
-          <a:xfrm flipV="1">
-            <a:off x="2895600" y="3646287"/>
-            <a:ext cx="383137" cy="1"/>
+          <a:xfrm>
+            <a:off x="2475546" y="3646285"/>
+            <a:ext cx="803191" cy="2"/>
           </a:xfrm>
           <a:prstGeom prst="straightConnector1">
             <a:avLst/>
@@ -4727,7 +4730,7 @@
         </p:nvCxnSpPr>
         <p:spPr>
           <a:xfrm flipV="1">
-            <a:off x="1143000" y="3646285"/>
+            <a:off x="762000" y="3646285"/>
             <a:ext cx="1295400" cy="4"/>
           </a:xfrm>
           <a:prstGeom prst="straightConnector1">
@@ -4764,8 +4767,8 @@
         </p:nvSpPr>
         <p:spPr>
           <a:xfrm>
-            <a:off x="5241634" y="5024280"/>
-            <a:ext cx="1905000" cy="533400"/>
+            <a:off x="5543641" y="5024280"/>
+            <a:ext cx="1574380" cy="533400"/>
           </a:xfrm>
           <a:prstGeom prst="rect">
             <a:avLst/>
@@ -4808,8 +4811,8 @@
         </p:nvSpPr>
         <p:spPr>
           <a:xfrm>
-            <a:off x="5231051" y="5881624"/>
-            <a:ext cx="2038928" cy="533400"/>
+            <a:off x="5544680" y="5881624"/>
+            <a:ext cx="1685065" cy="533400"/>
           </a:xfrm>
           <a:prstGeom prst="rect">
             <a:avLst/>
@@ -4986,7 +4989,7 @@
         </p:nvSpPr>
         <p:spPr>
           <a:xfrm>
-            <a:off x="523775" y="1230219"/>
+            <a:off x="152400" y="1458392"/>
             <a:ext cx="609600" cy="307777"/>
           </a:xfrm>
           <a:prstGeom prst="rect">
@@ -5109,7 +5112,7 @@
         </p:nvSpPr>
         <p:spPr>
           <a:xfrm>
-            <a:off x="152400" y="3442479"/>
+            <a:off x="-152400" y="3442479"/>
             <a:ext cx="937901" cy="307777"/>
           </a:xfrm>
           <a:prstGeom prst="rect">
@@ -5269,7 +5272,7 @@
         </p:nvCxnSpPr>
         <p:spPr>
           <a:xfrm flipV="1">
-            <a:off x="3386411" y="6521244"/>
+            <a:off x="4122430" y="6521244"/>
             <a:ext cx="0" cy="381000"/>
           </a:xfrm>
           <a:prstGeom prst="straightConnector1">
@@ -5306,7 +5309,7 @@
         </p:nvSpPr>
         <p:spPr>
           <a:xfrm>
-            <a:off x="2489103" y="6823067"/>
+            <a:off x="3225122" y="6823067"/>
             <a:ext cx="1816337" cy="307777"/>
           </a:xfrm>
           <a:prstGeom prst="rect">
@@ -6019,7 +6022,7 @@
         </p:nvSpPr>
         <p:spPr>
           <a:xfrm>
-            <a:off x="2388853" y="620619"/>
+            <a:off x="2388853" y="788640"/>
             <a:ext cx="1676400" cy="506760"/>
           </a:xfrm>
           <a:prstGeom prst="rect">
@@ -6144,8 +6147,8 @@
         </p:nvSpPr>
         <p:spPr>
           <a:xfrm>
-            <a:off x="5174670" y="5941660"/>
-            <a:ext cx="2038928" cy="533400"/>
+            <a:off x="5488299" y="5941660"/>
+            <a:ext cx="1685065" cy="533400"/>
           </a:xfrm>
           <a:prstGeom prst="rect">
             <a:avLst/>
@@ -6199,8 +6202,8 @@
         </p:nvSpPr>
         <p:spPr>
           <a:xfrm>
-            <a:off x="5105400" y="5987844"/>
-            <a:ext cx="2038928" cy="533400"/>
+            <a:off x="5419029" y="5987844"/>
+            <a:ext cx="1685065" cy="533400"/>
           </a:xfrm>
           <a:prstGeom prst="rect">
             <a:avLst/>
@@ -6247,7 +6250,7 @@
         </p:nvSpPr>
         <p:spPr>
           <a:xfrm>
-            <a:off x="5986751" y="5553915"/>
+            <a:off x="6123448" y="5553915"/>
             <a:ext cx="276225" cy="228600"/>
           </a:xfrm>
           <a:prstGeom prst="triangle">
@@ -6290,8 +6293,8 @@
         </p:nvCxnSpPr>
         <p:spPr>
           <a:xfrm>
-            <a:off x="6124864" y="5782515"/>
-            <a:ext cx="0" cy="205329"/>
+            <a:off x="6261561" y="5782515"/>
+            <a:ext cx="1" cy="205329"/>
           </a:xfrm>
           <a:prstGeom prst="line">
             <a:avLst/>
@@ -6322,7 +6325,7 @@
         </p:nvSpPr>
         <p:spPr>
           <a:xfrm>
-            <a:off x="2332551" y="5068524"/>
+            <a:off x="3068570" y="5068524"/>
             <a:ext cx="1905000" cy="533400"/>
           </a:xfrm>
           <a:prstGeom prst="rect">
@@ -6373,8 +6376,8 @@
         </p:nvSpPr>
         <p:spPr>
           <a:xfrm>
-            <a:off x="2321968" y="5896372"/>
-            <a:ext cx="2038928" cy="533400"/>
+            <a:off x="3150666" y="5896372"/>
+            <a:ext cx="1853571" cy="533400"/>
           </a:xfrm>
           <a:prstGeom prst="rect">
             <a:avLst/>
@@ -6428,8 +6431,8 @@
         </p:nvSpPr>
         <p:spPr>
           <a:xfrm>
-            <a:off x="2265587" y="5956408"/>
-            <a:ext cx="2038928" cy="533400"/>
+            <a:off x="3094285" y="5956408"/>
+            <a:ext cx="1853571" cy="533400"/>
           </a:xfrm>
           <a:prstGeom prst="rect">
             <a:avLst/>
@@ -6483,8 +6486,8 @@
         </p:nvSpPr>
         <p:spPr>
           <a:xfrm>
-            <a:off x="2196317" y="6002592"/>
-            <a:ext cx="2038928" cy="533400"/>
+            <a:off x="3025015" y="6002592"/>
+            <a:ext cx="1853571" cy="533400"/>
           </a:xfrm>
           <a:prstGeom prst="rect">
             <a:avLst/>
@@ -6538,7 +6541,7 @@
         </p:nvSpPr>
         <p:spPr>
           <a:xfrm>
-            <a:off x="3077668" y="5598159"/>
+            <a:off x="3813687" y="5598159"/>
             <a:ext cx="276225" cy="228600"/>
           </a:xfrm>
           <a:prstGeom prst="triangle">
@@ -6581,8 +6584,8 @@
         </p:nvCxnSpPr>
         <p:spPr>
           <a:xfrm>
-            <a:off x="3215781" y="5826759"/>
-            <a:ext cx="0" cy="175833"/>
+            <a:off x="3951800" y="5826759"/>
+            <a:ext cx="1" cy="175833"/>
           </a:xfrm>
           <a:prstGeom prst="line">
             <a:avLst/>
@@ -6613,7 +6616,7 @@
         </p:nvCxnSpPr>
         <p:spPr>
           <a:xfrm flipV="1">
-            <a:off x="6183273" y="6521244"/>
+            <a:off x="6319970" y="6521244"/>
             <a:ext cx="0" cy="381000"/>
           </a:xfrm>
           <a:prstGeom prst="straightConnector1">
@@ -6650,7 +6653,7 @@
         </p:nvSpPr>
         <p:spPr>
           <a:xfrm>
-            <a:off x="4953000" y="6823067"/>
+            <a:off x="5089697" y="6823067"/>
             <a:ext cx="2149303" cy="307777"/>
           </a:xfrm>
           <a:prstGeom prst="rect">
@@ -6755,15 +6758,7 @@
                   <a:schemeClr val="tx1"/>
                 </a:solidFill>
               </a:rPr>
-              <a:t>App engine </a:t>
-            </a:r>
-            <a:r>
-              <a:rPr lang="en-US" dirty="0" smtClean="0">
-                <a:solidFill>
-                  <a:schemeClr val="tx1"/>
-                </a:solidFill>
-              </a:rPr>
-              <a:t>task queues</a:t>
+              <a:t>App engine task queues</a:t>
             </a:r>
             <a:endParaRPr lang="en-SG" dirty="0">
               <a:solidFill>
@@ -6783,8 +6778,8 @@
         </p:nvCxnSpPr>
         <p:spPr>
           <a:xfrm>
-            <a:off x="4360896" y="6163072"/>
-            <a:ext cx="754782" cy="15794"/>
+            <a:off x="5004237" y="6163072"/>
+            <a:ext cx="390260" cy="0"/>
           </a:xfrm>
           <a:prstGeom prst="straightConnector1">
             <a:avLst/>
@@ -6811,6 +6806,252 @@
           </a:fillRef>
           <a:effectRef idx="0">
             <a:schemeClr val="accent2"/>
+          </a:effectRef>
+          <a:fontRef idx="minor">
+            <a:schemeClr val="lt1"/>
+          </a:fontRef>
+        </p:style>
+      </p:cxnSp>
+      <p:sp>
+        <p:nvSpPr>
+          <p:cNvPr id="88" name="Rectangle 87"/>
+          <p:cNvSpPr/>
+          <p:nvPr/>
+        </p:nvSpPr>
+        <p:spPr>
+          <a:xfrm>
+            <a:off x="1246818" y="5105400"/>
+            <a:ext cx="1431255" cy="533400"/>
+          </a:xfrm>
+          <a:prstGeom prst="rect">
+            <a:avLst/>
+          </a:prstGeom>
+        </p:spPr>
+        <p:style>
+          <a:lnRef idx="2">
+            <a:schemeClr val="accent3">
+              <a:shade val="50000"/>
+            </a:schemeClr>
+          </a:lnRef>
+          <a:fillRef idx="1">
+            <a:schemeClr val="accent3"/>
+          </a:fillRef>
+          <a:effectRef idx="0">
+            <a:schemeClr val="accent3"/>
+          </a:effectRef>
+          <a:fontRef idx="minor">
+            <a:schemeClr val="lt1"/>
+          </a:fontRef>
+        </p:style>
+        <p:txBody>
+          <a:bodyPr rtlCol="0" anchor="ctr"/>
+          <a:lstStyle/>
+          <a:p>
+            <a:pPr algn="ctr"/>
+            <a:r>
+              <a:rPr lang="en-US" sz="1600" b="1" dirty="0" err="1" smtClean="0"/>
+              <a:t>WorkerServlet</a:t>
+            </a:r>
+            <a:endParaRPr lang="en-SG" sz="1600" b="1" dirty="0"/>
+          </a:p>
+        </p:txBody>
+      </p:sp>
+      <p:sp>
+        <p:nvSpPr>
+          <p:cNvPr id="89" name="Rectangle 88"/>
+          <p:cNvSpPr/>
+          <p:nvPr/>
+        </p:nvSpPr>
+        <p:spPr>
+          <a:xfrm>
+            <a:off x="1287523" y="5971865"/>
+            <a:ext cx="1531877" cy="400751"/>
+          </a:xfrm>
+          <a:prstGeom prst="rect">
+            <a:avLst/>
+          </a:prstGeom>
+        </p:spPr>
+        <p:style>
+          <a:lnRef idx="2">
+            <a:schemeClr val="accent3">
+              <a:shade val="50000"/>
+            </a:schemeClr>
+          </a:lnRef>
+          <a:fillRef idx="1">
+            <a:schemeClr val="accent3"/>
+          </a:fillRef>
+          <a:effectRef idx="0">
+            <a:schemeClr val="accent3"/>
+          </a:effectRef>
+          <a:fontRef idx="minor">
+            <a:schemeClr val="lt1"/>
+          </a:fontRef>
+        </p:style>
+        <p:txBody>
+          <a:bodyPr rtlCol="0" anchor="ctr"/>
+          <a:lstStyle/>
+          <a:p>
+            <a:pPr algn="ctr"/>
+            <a:endParaRPr lang="en-SG" sz="1600" b="1" dirty="0"/>
+          </a:p>
+        </p:txBody>
+      </p:sp>
+      <p:sp>
+        <p:nvSpPr>
+          <p:cNvPr id="99" name="Rectangle 98"/>
+          <p:cNvSpPr/>
+          <p:nvPr/>
+        </p:nvSpPr>
+        <p:spPr>
+          <a:xfrm>
+            <a:off x="1231142" y="6031901"/>
+            <a:ext cx="1531877" cy="400751"/>
+          </a:xfrm>
+          <a:prstGeom prst="rect">
+            <a:avLst/>
+          </a:prstGeom>
+        </p:spPr>
+        <p:style>
+          <a:lnRef idx="2">
+            <a:schemeClr val="accent3">
+              <a:shade val="50000"/>
+            </a:schemeClr>
+          </a:lnRef>
+          <a:fillRef idx="1">
+            <a:schemeClr val="accent3"/>
+          </a:fillRef>
+          <a:effectRef idx="0">
+            <a:schemeClr val="accent3"/>
+          </a:effectRef>
+          <a:fontRef idx="minor">
+            <a:schemeClr val="lt1"/>
+          </a:fontRef>
+        </p:style>
+        <p:txBody>
+          <a:bodyPr rtlCol="0" anchor="ctr"/>
+          <a:lstStyle/>
+          <a:p>
+            <a:pPr algn="ctr"/>
+            <a:endParaRPr lang="en-SG" sz="1600" b="1" dirty="0"/>
+          </a:p>
+        </p:txBody>
+      </p:sp>
+      <p:sp>
+        <p:nvSpPr>
+          <p:cNvPr id="100" name="Rectangle 99"/>
+          <p:cNvSpPr/>
+          <p:nvPr/>
+        </p:nvSpPr>
+        <p:spPr>
+          <a:xfrm>
+            <a:off x="1139269" y="6097459"/>
+            <a:ext cx="1531877" cy="400751"/>
+          </a:xfrm>
+          <a:prstGeom prst="rect">
+            <a:avLst/>
+          </a:prstGeom>
+        </p:spPr>
+        <p:style>
+          <a:lnRef idx="2">
+            <a:schemeClr val="accent3">
+              <a:shade val="50000"/>
+            </a:schemeClr>
+          </a:lnRef>
+          <a:fillRef idx="1">
+            <a:schemeClr val="accent3"/>
+          </a:fillRef>
+          <a:effectRef idx="0">
+            <a:schemeClr val="accent3"/>
+          </a:effectRef>
+          <a:fontRef idx="minor">
+            <a:schemeClr val="lt1"/>
+          </a:fontRef>
+        </p:style>
+        <p:txBody>
+          <a:bodyPr rtlCol="0" anchor="ctr"/>
+          <a:lstStyle/>
+          <a:p>
+            <a:pPr algn="ctr"/>
+            <a:r>
+              <a:rPr lang="en-US" sz="1600" b="1" dirty="0" smtClean="0"/>
+              <a:t>*</a:t>
+            </a:r>
+            <a:r>
+              <a:rPr lang="en-US" sz="1600" b="1" dirty="0" err="1" smtClean="0"/>
+              <a:t>WorkerServlet</a:t>
+            </a:r>
+            <a:endParaRPr lang="en-SG" sz="1600" b="1" dirty="0"/>
+          </a:p>
+        </p:txBody>
+      </p:sp>
+      <p:sp>
+        <p:nvSpPr>
+          <p:cNvPr id="101" name="Isosceles Triangle 100"/>
+          <p:cNvSpPr/>
+          <p:nvPr/>
+        </p:nvSpPr>
+        <p:spPr>
+          <a:xfrm>
+            <a:off x="1767095" y="5635035"/>
+            <a:ext cx="276225" cy="228600"/>
+          </a:xfrm>
+          <a:prstGeom prst="triangle">
+            <a:avLst/>
+          </a:prstGeom>
+        </p:spPr>
+        <p:style>
+          <a:lnRef idx="2">
+            <a:schemeClr val="accent3">
+              <a:shade val="50000"/>
+            </a:schemeClr>
+          </a:lnRef>
+          <a:fillRef idx="1">
+            <a:schemeClr val="accent3"/>
+          </a:fillRef>
+          <a:effectRef idx="0">
+            <a:schemeClr val="accent3"/>
+          </a:effectRef>
+          <a:fontRef idx="minor">
+            <a:schemeClr val="lt1"/>
+          </a:fontRef>
+        </p:style>
+        <p:txBody>
+          <a:bodyPr rtlCol="0" anchor="ctr"/>
+          <a:lstStyle/>
+          <a:p>
+            <a:pPr algn="ctr"/>
+            <a:endParaRPr lang="en-SG" sz="1600" b="1"/>
+          </a:p>
+        </p:txBody>
+      </p:sp>
+      <p:cxnSp>
+        <p:nvCxnSpPr>
+          <p:cNvPr id="102" name="Straight Connector 101"/>
+          <p:cNvCxnSpPr>
+            <a:endCxn id="100" idx="0"/>
+          </p:cNvCxnSpPr>
+          <p:nvPr/>
+        </p:nvCxnSpPr>
+        <p:spPr>
+          <a:xfrm>
+            <a:off x="1905208" y="5847815"/>
+            <a:ext cx="0" cy="237756"/>
+          </a:xfrm>
+          <a:prstGeom prst="line">
+            <a:avLst/>
+          </a:prstGeom>
+        </p:spPr>
+        <p:style>
+          <a:lnRef idx="2">
+            <a:schemeClr val="accent3">
+              <a:shade val="50000"/>
+            </a:schemeClr>
+          </a:lnRef>
+          <a:fillRef idx="1">
+            <a:schemeClr val="accent3"/>
+          </a:fillRef>
+          <a:effectRef idx="0">
+            <a:schemeClr val="accent3"/>
           </a:effectRef>
           <a:fontRef idx="minor">
             <a:schemeClr val="lt1"/>

--- a/doc/diagrams/LogicComponent.pptx
+++ b/doc/diagrams/LogicComponent.pptx
@@ -107,6 +107,22 @@
       </a:defRPr>
     </a:lvl9pPr>
   </p:defaultTextStyle>
+  <p:extLst>
+    <p:ext uri="{EFAFB233-063F-42B5-8137-9DF3F51BA10A}">
+      <p15:sldGuideLst xmlns:p15="http://schemas.microsoft.com/office/powerpoint/2012/main">
+        <p15:guide id="1" orient="horz" pos="2304">
+          <p15:clr>
+            <a:srgbClr val="A4A3A4"/>
+          </p15:clr>
+        </p15:guide>
+        <p15:guide id="2" pos="2880">
+          <p15:clr>
+            <a:srgbClr val="A4A3A4"/>
+          </p15:clr>
+        </p15:guide>
+      </p15:sldGuideLst>
+    </p:ext>
+  </p:extLst>
 </p:presentation>
 </file>
 
@@ -193,7 +209,7 @@
             <a:fld id="{AF301891-4E62-472A-98E9-95DBD40531A4}" type="datetimeFigureOut">
               <a:rPr lang="en-SG" smtClean="0"/>
               <a:pPr/>
-              <a:t>6/5/2014</a:t>
+              <a:t>1/4/2016</a:t>
             </a:fld>
             <a:endParaRPr lang="en-SG"/>
           </a:p>
@@ -593,10 +609,10 @@
           <a:lstStyle/>
           <a:p>
             <a:r>
-              <a:rPr lang="en-US" smtClean="0"/>
+              <a:rPr lang="en-US" dirty="0" smtClean="0"/>
               <a:t>Click to edit Master title style</a:t>
             </a:r>
-            <a:endParaRPr lang="en-US"/>
+            <a:endParaRPr lang="en-US" dirty="0"/>
           </a:p>
         </p:txBody>
       </p:sp>
@@ -748,7 +764,7 @@
             <a:fld id="{1D8BD707-D9CF-40AE-B4C6-C98DA3205C09}" type="datetimeFigureOut">
               <a:rPr lang="en-US" smtClean="0"/>
               <a:pPr/>
-              <a:t>5/6/2014</a:t>
+              <a:t>4/1/2016</a:t>
             </a:fld>
             <a:endParaRPr lang="en-US"/>
           </a:p>
@@ -962,7 +978,7 @@
             <a:fld id="{1D8BD707-D9CF-40AE-B4C6-C98DA3205C09}" type="datetimeFigureOut">
               <a:rPr lang="en-US" smtClean="0"/>
               <a:pPr/>
-              <a:t>5/6/2014</a:t>
+              <a:t>4/1/2016</a:t>
             </a:fld>
             <a:endParaRPr lang="en-US"/>
           </a:p>
@@ -1169,7 +1185,7 @@
             <a:fld id="{1D8BD707-D9CF-40AE-B4C6-C98DA3205C09}" type="datetimeFigureOut">
               <a:rPr lang="en-US" smtClean="0"/>
               <a:pPr/>
-              <a:t>5/6/2014</a:t>
+              <a:t>4/1/2016</a:t>
             </a:fld>
             <a:endParaRPr lang="en-US"/>
           </a:p>
@@ -1376,7 +1392,7 @@
             <a:fld id="{1D8BD707-D9CF-40AE-B4C6-C98DA3205C09}" type="datetimeFigureOut">
               <a:rPr lang="en-US" smtClean="0"/>
               <a:pPr/>
-              <a:t>5/6/2014</a:t>
+              <a:t>4/1/2016</a:t>
             </a:fld>
             <a:endParaRPr lang="en-US"/>
           </a:p>
@@ -1649,7 +1665,7 @@
             <a:fld id="{1D8BD707-D9CF-40AE-B4C6-C98DA3205C09}" type="datetimeFigureOut">
               <a:rPr lang="en-US" smtClean="0"/>
               <a:pPr/>
-              <a:t>5/6/2014</a:t>
+              <a:t>4/1/2016</a:t>
             </a:fld>
             <a:endParaRPr lang="en-US"/>
           </a:p>
@@ -1972,7 +1988,7 @@
             <a:fld id="{1D8BD707-D9CF-40AE-B4C6-C98DA3205C09}" type="datetimeFigureOut">
               <a:rPr lang="en-US" smtClean="0"/>
               <a:pPr/>
-              <a:t>5/6/2014</a:t>
+              <a:t>4/1/2016</a:t>
             </a:fld>
             <a:endParaRPr lang="en-US"/>
           </a:p>
@@ -2435,7 +2451,7 @@
             <a:fld id="{1D8BD707-D9CF-40AE-B4C6-C98DA3205C09}" type="datetimeFigureOut">
               <a:rPr lang="en-US" smtClean="0"/>
               <a:pPr/>
-              <a:t>5/6/2014</a:t>
+              <a:t>4/1/2016</a:t>
             </a:fld>
             <a:endParaRPr lang="en-US"/>
           </a:p>
@@ -2582,7 +2598,7 @@
             <a:fld id="{1D8BD707-D9CF-40AE-B4C6-C98DA3205C09}" type="datetimeFigureOut">
               <a:rPr lang="en-US" smtClean="0"/>
               <a:pPr/>
-              <a:t>5/6/2014</a:t>
+              <a:t>4/1/2016</a:t>
             </a:fld>
             <a:endParaRPr lang="en-US"/>
           </a:p>
@@ -2698,7 +2714,7 @@
             <a:fld id="{1D8BD707-D9CF-40AE-B4C6-C98DA3205C09}" type="datetimeFigureOut">
               <a:rPr lang="en-US" smtClean="0"/>
               <a:pPr/>
-              <a:t>5/6/2014</a:t>
+              <a:t>4/1/2016</a:t>
             </a:fld>
             <a:endParaRPr lang="en-US"/>
           </a:p>
@@ -3005,7 +3021,7 @@
             <a:fld id="{1D8BD707-D9CF-40AE-B4C6-C98DA3205C09}" type="datetimeFigureOut">
               <a:rPr lang="en-US" smtClean="0"/>
               <a:pPr/>
-              <a:t>5/6/2014</a:t>
+              <a:t>4/1/2016</a:t>
             </a:fld>
             <a:endParaRPr lang="en-US"/>
           </a:p>
@@ -3288,7 +3304,7 @@
             <a:fld id="{1D8BD707-D9CF-40AE-B4C6-C98DA3205C09}" type="datetimeFigureOut">
               <a:rPr lang="en-US" smtClean="0"/>
               <a:pPr/>
-              <a:t>5/6/2014</a:t>
+              <a:t>4/1/2016</a:t>
             </a:fld>
             <a:endParaRPr lang="en-US"/>
           </a:p>
@@ -3391,7 +3407,7 @@
         </p:nvSpPr>
         <p:spPr>
           <a:xfrm>
-            <a:off x="914400" y="117742"/>
+            <a:off x="1066800" y="117742"/>
             <a:ext cx="6781800" cy="6740257"/>
           </a:xfrm>
           <a:prstGeom prst="roundRect">
@@ -3450,8 +3466,8 @@
         </p:nvGrpSpPr>
         <p:grpSpPr>
           <a:xfrm>
-            <a:off x="1066801" y="536618"/>
-            <a:ext cx="3323303" cy="1805262"/>
+            <a:off x="1219201" y="453543"/>
+            <a:ext cx="3323303" cy="1222857"/>
             <a:chOff x="-1757975" y="1812010"/>
             <a:chExt cx="2900975" cy="1890263"/>
           </a:xfrm>
@@ -3517,7 +3533,7 @@
                     <a:srgbClr val="7030A0"/>
                   </a:solidFill>
                 </a:rPr>
-                <a:t>api</a:t>
+                <a:t>publicresource</a:t>
               </a:r>
               <a:endParaRPr lang="en-SG" sz="1400" b="1" dirty="0">
                 <a:solidFill>
@@ -3589,7 +3605,7 @@
         </p:nvGrpSpPr>
         <p:grpSpPr>
           <a:xfrm>
-            <a:off x="4814666" y="152400"/>
+            <a:off x="4967066" y="152400"/>
             <a:ext cx="2576735" cy="4475480"/>
             <a:chOff x="-1433735" y="1447800"/>
             <a:chExt cx="2576735" cy="4195762"/>
@@ -3648,7 +3664,7 @@
                     <a:srgbClr val="7030A0"/>
                   </a:solidFill>
                 </a:rPr>
-                <a:t>logic</a:t>
+                <a:t>Logic::core</a:t>
               </a:r>
               <a:endParaRPr lang="en-SG" sz="1400" b="1" dirty="0">
                 <a:solidFill>
@@ -3720,8 +3736,8 @@
         </p:nvGrpSpPr>
         <p:grpSpPr>
           <a:xfrm>
-            <a:off x="1066801" y="2418080"/>
-            <a:ext cx="3323304" cy="2209800"/>
+            <a:off x="1219201" y="1799094"/>
+            <a:ext cx="3323304" cy="1248906"/>
             <a:chOff x="-613964" y="1447800"/>
             <a:chExt cx="1756963" cy="2071687"/>
           </a:xfrm>
@@ -3779,7 +3795,15 @@
                     <a:srgbClr val="7030A0"/>
                   </a:solidFill>
                 </a:rPr>
-                <a:t>logic::backdoor</a:t>
+                <a:t>logic::</a:t>
+              </a:r>
+              <a:r>
+                <a:rPr lang="en-US" sz="1400" b="1" dirty="0" err="1" smtClean="0">
+                  <a:solidFill>
+                    <a:srgbClr val="7030A0"/>
+                  </a:solidFill>
+                </a:rPr>
+                <a:t>api</a:t>
               </a:r>
               <a:endParaRPr lang="en-SG" sz="1400" b="1" dirty="0">
                 <a:solidFill>
@@ -3851,7 +3875,7 @@
         </p:nvGrpSpPr>
         <p:grpSpPr>
           <a:xfrm>
-            <a:off x="1066800" y="4724400"/>
+            <a:off x="1219200" y="4724400"/>
             <a:ext cx="6324600" cy="1905000"/>
             <a:chOff x="-4876800" y="1451133"/>
             <a:chExt cx="6019800" cy="1628650"/>
@@ -3982,7 +4006,7 @@
         </p:nvSpPr>
         <p:spPr>
           <a:xfrm>
-            <a:off x="7924800" y="117743"/>
+            <a:off x="8077200" y="117743"/>
             <a:ext cx="914400" cy="6740256"/>
           </a:xfrm>
           <a:prstGeom prst="roundRect">
@@ -4040,7 +4064,7 @@
         </p:nvSpPr>
         <p:spPr>
           <a:xfrm>
-            <a:off x="8382000" y="-243840"/>
+            <a:off x="8534400" y="-243840"/>
             <a:ext cx="609600" cy="7640320"/>
           </a:xfrm>
           <a:prstGeom prst="rect">
@@ -4081,6 +4105,137 @@
           </a:p>
         </p:txBody>
       </p:sp>
+      <p:grpSp>
+        <p:nvGrpSpPr>
+          <p:cNvPr id="18" name="Group 17"/>
+          <p:cNvGrpSpPr/>
+          <p:nvPr userDrawn="1"/>
+        </p:nvGrpSpPr>
+        <p:grpSpPr>
+          <a:xfrm>
+            <a:off x="1219200" y="3183257"/>
+            <a:ext cx="3323304" cy="1444623"/>
+            <a:chOff x="-613964" y="1447800"/>
+            <a:chExt cx="1756963" cy="2071687"/>
+          </a:xfrm>
+          <a:solidFill>
+            <a:schemeClr val="bg1"/>
+          </a:solidFill>
+        </p:grpSpPr>
+        <p:sp>
+          <p:nvSpPr>
+            <p:cNvPr id="19" name="Rectangle 18"/>
+            <p:cNvSpPr/>
+            <p:nvPr/>
+          </p:nvSpPr>
+          <p:spPr>
+            <a:xfrm>
+              <a:off x="-613964" y="1523999"/>
+              <a:ext cx="1756963" cy="1995488"/>
+            </a:xfrm>
+            <a:prstGeom prst="rect">
+              <a:avLst/>
+            </a:prstGeom>
+            <a:grpFill/>
+            <a:ln>
+              <a:solidFill>
+                <a:schemeClr val="accent4">
+                  <a:lumMod val="60000"/>
+                  <a:lumOff val="40000"/>
+                </a:schemeClr>
+              </a:solidFill>
+            </a:ln>
+          </p:spPr>
+          <p:style>
+            <a:lnRef idx="2">
+              <a:schemeClr val="accent1">
+                <a:shade val="50000"/>
+              </a:schemeClr>
+            </a:lnRef>
+            <a:fillRef idx="1">
+              <a:schemeClr val="accent1"/>
+            </a:fillRef>
+            <a:effectRef idx="0">
+              <a:schemeClr val="accent1"/>
+            </a:effectRef>
+            <a:fontRef idx="minor">
+              <a:schemeClr val="lt1"/>
+            </a:fontRef>
+          </p:style>
+          <p:txBody>
+            <a:bodyPr rtlCol="0" anchor="t" anchorCtr="0"/>
+            <a:lstStyle/>
+            <a:p>
+              <a:r>
+                <a:rPr lang="en-US" sz="1400" b="1" dirty="0" smtClean="0">
+                  <a:solidFill>
+                    <a:srgbClr val="7030A0"/>
+                  </a:solidFill>
+                </a:rPr>
+                <a:t>logic::backdoor</a:t>
+              </a:r>
+              <a:endParaRPr lang="en-SG" sz="1400" b="1" dirty="0">
+                <a:solidFill>
+                  <a:srgbClr val="7030A0"/>
+                </a:solidFill>
+              </a:endParaRPr>
+            </a:p>
+          </p:txBody>
+        </p:sp>
+        <p:sp>
+          <p:nvSpPr>
+            <p:cNvPr id="20" name="Rectangle 19"/>
+            <p:cNvSpPr/>
+            <p:nvPr/>
+          </p:nvSpPr>
+          <p:spPr>
+            <a:xfrm>
+              <a:off x="843022" y="1447800"/>
+              <a:ext cx="299977" cy="76200"/>
+            </a:xfrm>
+            <a:prstGeom prst="rect">
+              <a:avLst/>
+            </a:prstGeom>
+            <a:grpFill/>
+            <a:ln>
+              <a:solidFill>
+                <a:schemeClr val="accent4">
+                  <a:lumMod val="60000"/>
+                  <a:lumOff val="40000"/>
+                </a:schemeClr>
+              </a:solidFill>
+            </a:ln>
+          </p:spPr>
+          <p:style>
+            <a:lnRef idx="2">
+              <a:schemeClr val="accent1">
+                <a:shade val="50000"/>
+              </a:schemeClr>
+            </a:lnRef>
+            <a:fillRef idx="1">
+              <a:schemeClr val="accent1"/>
+            </a:fillRef>
+            <a:effectRef idx="0">
+              <a:schemeClr val="accent1"/>
+            </a:effectRef>
+            <a:fontRef idx="minor">
+              <a:schemeClr val="lt1"/>
+            </a:fontRef>
+          </p:style>
+          <p:txBody>
+            <a:bodyPr rtlCol="0" anchor="t" anchorCtr="0"/>
+            <a:lstStyle/>
+            <a:p>
+              <a:pPr algn="ctr"/>
+              <a:endParaRPr lang="en-SG" sz="1400" b="1">
+                <a:solidFill>
+                  <a:srgbClr val="7030A0"/>
+                </a:solidFill>
+              </a:endParaRPr>
+            </a:p>
+          </p:txBody>
+        </p:sp>
+      </p:grpSp>
     </p:spTree>
   </p:cSld>
   <p:clrMap bg1="lt1" tx1="dk1" bg2="lt2" tx2="dk2" accent1="accent1" accent2="accent2" accent3="accent3" accent4="accent4" accent5="accent5" accent6="accent6" hlink="hlink" folHlink="folHlink"/>
@@ -4377,8 +4532,8 @@
         </p:nvCxnSpPr>
         <p:spPr>
           <a:xfrm flipV="1">
-            <a:off x="762000" y="1635999"/>
-            <a:ext cx="1626853" cy="15011"/>
+            <a:off x="727391" y="2697600"/>
+            <a:ext cx="1806137" cy="13800"/>
           </a:xfrm>
           <a:prstGeom prst="straightConnector1">
             <a:avLst/>
@@ -4414,8 +4569,8 @@
         </p:nvSpPr>
         <p:spPr>
           <a:xfrm>
-            <a:off x="2388853" y="1382619"/>
-            <a:ext cx="1676400" cy="506760"/>
+            <a:off x="2533528" y="2499600"/>
+            <a:ext cx="1676400" cy="396000"/>
           </a:xfrm>
           <a:prstGeom prst="rect">
             <a:avLst/>
@@ -4458,7 +4613,7 @@
         </p:nvSpPr>
         <p:spPr>
           <a:xfrm>
-            <a:off x="5486400" y="3211419"/>
+            <a:off x="5631075" y="3211419"/>
             <a:ext cx="1676400" cy="304800"/>
           </a:xfrm>
           <a:prstGeom prst="rect">
@@ -4507,9 +4662,9 @@
           <p:nvPr/>
         </p:nvSpPr>
         <p:spPr>
-          <a:xfrm rot="16200000">
-            <a:off x="2696519" y="3418755"/>
-            <a:ext cx="1619498" cy="455063"/>
+          <a:xfrm>
+            <a:off x="2533528" y="4114800"/>
+            <a:ext cx="1676400" cy="396000"/>
           </a:xfrm>
           <a:prstGeom prst="rect">
             <a:avLst/>
@@ -4557,9 +4712,9 @@
           <p:nvPr/>
         </p:nvSpPr>
         <p:spPr>
-          <a:xfrm rot="16200000">
-            <a:off x="1443774" y="3437212"/>
-            <a:ext cx="1645397" cy="418146"/>
+          <a:xfrm>
+            <a:off x="1516275" y="3581400"/>
+            <a:ext cx="1645397" cy="396000"/>
           </a:xfrm>
           <a:prstGeom prst="rect">
             <a:avLst/>
@@ -4608,7 +4763,7 @@
         </p:nvSpPr>
         <p:spPr>
           <a:xfrm>
-            <a:off x="3368156" y="1916019"/>
+            <a:off x="3231684" y="2910599"/>
             <a:ext cx="276225" cy="228600"/>
           </a:xfrm>
           <a:prstGeom prst="triangle">
@@ -4645,14 +4800,14 @@
           <p:cNvPr id="54" name="Elbow Connector 53"/>
           <p:cNvCxnSpPr>
             <a:stCxn id="53" idx="3"/>
-            <a:endCxn id="51" idx="3"/>
+            <a:endCxn id="51" idx="0"/>
           </p:cNvCxnSpPr>
           <p:nvPr/>
         </p:nvCxnSpPr>
         <p:spPr>
-          <a:xfrm rot="5400000">
-            <a:off x="3160310" y="2490578"/>
-            <a:ext cx="691919" cy="1"/>
+          <a:xfrm rot="16200000" flipH="1">
+            <a:off x="2882962" y="3626033"/>
+            <a:ext cx="975601" cy="1931"/>
           </a:xfrm>
           <a:prstGeom prst="bentConnector3">
             <a:avLst>
@@ -4662,45 +4817,6 @@
           <a:ln w="28575">
             <a:headEnd type="none" w="med" len="med"/>
             <a:tailEnd type="none" w="med" len="med"/>
-          </a:ln>
-        </p:spPr>
-        <p:style>
-          <a:lnRef idx="2">
-            <a:schemeClr val="accent2">
-              <a:shade val="50000"/>
-            </a:schemeClr>
-          </a:lnRef>
-          <a:fillRef idx="1">
-            <a:schemeClr val="accent2"/>
-          </a:fillRef>
-          <a:effectRef idx="0">
-            <a:schemeClr val="accent2"/>
-          </a:effectRef>
-          <a:fontRef idx="minor">
-            <a:schemeClr val="lt1"/>
-          </a:fontRef>
-        </p:style>
-      </p:cxnSp>
-      <p:cxnSp>
-        <p:nvCxnSpPr>
-          <p:cNvPr id="55" name="Straight Arrow Connector 54"/>
-          <p:cNvCxnSpPr>
-            <a:stCxn id="52" idx="2"/>
-            <a:endCxn id="51" idx="0"/>
-          </p:cNvCxnSpPr>
-          <p:nvPr/>
-        </p:nvCxnSpPr>
-        <p:spPr>
-          <a:xfrm>
-            <a:off x="2475546" y="3646285"/>
-            <a:ext cx="803191" cy="2"/>
-          </a:xfrm>
-          <a:prstGeom prst="straightConnector1">
-            <a:avLst/>
-          </a:prstGeom>
-          <a:ln>
-            <a:headEnd type="none" w="med" len="med"/>
-            <a:tailEnd type="arrow" w="med" len="med"/>
           </a:ln>
         </p:spPr>
         <p:style>
@@ -4724,14 +4840,15 @@
         <p:nvCxnSpPr>
           <p:cNvPr id="56" name="Straight Arrow Connector 55"/>
           <p:cNvCxnSpPr>
-            <a:endCxn id="52" idx="0"/>
+            <a:stCxn id="63" idx="3"/>
+            <a:endCxn id="52" idx="1"/>
           </p:cNvCxnSpPr>
           <p:nvPr/>
         </p:nvCxnSpPr>
         <p:spPr>
-          <a:xfrm flipV="1">
-            <a:off x="762000" y="3646285"/>
-            <a:ext cx="1295400" cy="4"/>
+          <a:xfrm>
+            <a:off x="838200" y="3771900"/>
+            <a:ext cx="678075" cy="7500"/>
           </a:xfrm>
           <a:prstGeom prst="straightConnector1">
             <a:avLst/>
@@ -4767,7 +4884,7 @@
         </p:nvSpPr>
         <p:spPr>
           <a:xfrm>
-            <a:off x="5543641" y="5024280"/>
+            <a:off x="5688316" y="5105400"/>
             <a:ext cx="1574380" cy="533400"/>
           </a:xfrm>
           <a:prstGeom prst="rect">
@@ -4811,8 +4928,8 @@
         </p:nvSpPr>
         <p:spPr>
           <a:xfrm>
-            <a:off x="5544680" y="5881624"/>
-            <a:ext cx="1685065" cy="533400"/>
+            <a:off x="5702244" y="5928600"/>
+            <a:ext cx="1685065" cy="396000"/>
           </a:xfrm>
           <a:prstGeom prst="rect">
             <a:avLst/>
@@ -4839,21 +4956,6 @@
           <a:lstStyle/>
           <a:p>
             <a:pPr algn="ctr"/>
-            <a:r>
-              <a:rPr lang="en-US" sz="1600" b="1" dirty="0" err="1" smtClean="0"/>
-              <a:t>EvaluationClosing</a:t>
-            </a:r>
-            <a:r>
-              <a:rPr lang="en-US" sz="1600" b="1" dirty="0" smtClean="0"/>
-              <a:t/>
-            </a:r>
-            <a:br>
-              <a:rPr lang="en-US" sz="1600" b="1" dirty="0" smtClean="0"/>
-            </a:br>
-            <a:r>
-              <a:rPr lang="en-US" sz="1600" b="1" dirty="0" err="1" smtClean="0"/>
-              <a:t>RemindersServlet</a:t>
-            </a:r>
             <a:endParaRPr lang="en-SG" sz="1600" b="1" dirty="0"/>
           </a:p>
         </p:txBody>
@@ -4866,7 +4968,7 @@
         </p:nvCxnSpPr>
         <p:spPr>
           <a:xfrm flipV="1">
-            <a:off x="6103032" y="4561106"/>
+            <a:off x="6247707" y="4561106"/>
             <a:ext cx="0" cy="239494"/>
           </a:xfrm>
           <a:prstGeom prst="straightConnector1">
@@ -4902,7 +5004,7 @@
         </p:nvSpPr>
         <p:spPr>
           <a:xfrm>
-            <a:off x="5473936" y="3593907"/>
+            <a:off x="5618611" y="3593907"/>
             <a:ext cx="1688863" cy="303312"/>
           </a:xfrm>
           <a:prstGeom prst="rect">
@@ -4952,7 +5054,7 @@
         </p:nvCxnSpPr>
         <p:spPr>
           <a:xfrm flipH="1">
-            <a:off x="4419600" y="1397411"/>
+            <a:off x="4525108" y="2667000"/>
             <a:ext cx="420167" cy="0"/>
           </a:xfrm>
           <a:prstGeom prst="straightConnector1">
@@ -4989,8 +5091,131 @@
         </p:nvSpPr>
         <p:spPr>
           <a:xfrm>
-            <a:off x="152400" y="1458392"/>
-            <a:ext cx="609600" cy="307777"/>
+            <a:off x="144675" y="2514600"/>
+            <a:ext cx="609600" cy="426720"/>
+          </a:xfrm>
+          <a:prstGeom prst="rect">
+            <a:avLst/>
+          </a:prstGeom>
+          <a:grpFill/>
+          <a:ln>
+            <a:noFill/>
+          </a:ln>
+        </p:spPr>
+        <p:style>
+          <a:lnRef idx="2">
+            <a:schemeClr val="accent1">
+              <a:shade val="50000"/>
+            </a:schemeClr>
+          </a:lnRef>
+          <a:fillRef idx="1">
+            <a:schemeClr val="accent1"/>
+          </a:fillRef>
+          <a:effectRef idx="0">
+            <a:schemeClr val="accent1"/>
+          </a:effectRef>
+          <a:fontRef idx="minor">
+            <a:schemeClr val="lt1"/>
+          </a:fontRef>
+        </p:style>
+        <p:txBody>
+          <a:bodyPr rtlCol="0" anchor="ctr" anchorCtr="0"/>
+          <a:lstStyle>
+            <a:defPPr>
+              <a:defRPr lang="en-US"/>
+            </a:defPPr>
+            <a:lvl1pPr>
+              <a:defRPr sz="1400" b="1">
+                <a:solidFill>
+                  <a:srgbClr val="7030A0"/>
+                </a:solidFill>
+              </a:defRPr>
+            </a:lvl1pPr>
+            <a:lvl2pPr>
+              <a:defRPr>
+                <a:solidFill>
+                  <a:schemeClr val="lt1"/>
+                </a:solidFill>
+              </a:defRPr>
+            </a:lvl2pPr>
+            <a:lvl3pPr>
+              <a:defRPr>
+                <a:solidFill>
+                  <a:schemeClr val="lt1"/>
+                </a:solidFill>
+              </a:defRPr>
+            </a:lvl3pPr>
+            <a:lvl4pPr>
+              <a:defRPr>
+                <a:solidFill>
+                  <a:schemeClr val="lt1"/>
+                </a:solidFill>
+              </a:defRPr>
+            </a:lvl4pPr>
+            <a:lvl5pPr>
+              <a:defRPr>
+                <a:solidFill>
+                  <a:schemeClr val="lt1"/>
+                </a:solidFill>
+              </a:defRPr>
+            </a:lvl5pPr>
+            <a:lvl6pPr>
+              <a:defRPr>
+                <a:solidFill>
+                  <a:schemeClr val="lt1"/>
+                </a:solidFill>
+              </a:defRPr>
+            </a:lvl6pPr>
+            <a:lvl7pPr>
+              <a:defRPr>
+                <a:solidFill>
+                  <a:schemeClr val="lt1"/>
+                </a:solidFill>
+              </a:defRPr>
+            </a:lvl7pPr>
+            <a:lvl8pPr>
+              <a:defRPr>
+                <a:solidFill>
+                  <a:schemeClr val="lt1"/>
+                </a:solidFill>
+              </a:defRPr>
+            </a:lvl8pPr>
+            <a:lvl9pPr>
+              <a:defRPr>
+                <a:solidFill>
+                  <a:schemeClr val="lt1"/>
+                </a:solidFill>
+              </a:defRPr>
+            </a:lvl9pPr>
+          </a:lstStyle>
+          <a:p>
+            <a:pPr algn="r"/>
+            <a:r>
+              <a:rPr lang="en-US" dirty="0">
+                <a:solidFill>
+                  <a:schemeClr val="tx1"/>
+                </a:solidFill>
+              </a:rPr>
+              <a:t>UI</a:t>
+            </a:r>
+            <a:endParaRPr lang="en-SG" dirty="0">
+              <a:solidFill>
+                <a:schemeClr val="tx1"/>
+              </a:solidFill>
+            </a:endParaRPr>
+          </a:p>
+        </p:txBody>
+      </p:sp>
+      <p:sp>
+        <p:nvSpPr>
+          <p:cNvPr id="63" name="TextBox 62"/>
+          <p:cNvSpPr txBox="1"/>
+          <p:nvPr/>
+        </p:nvSpPr>
+        <p:spPr>
+          <a:xfrm>
+            <a:off x="188090" y="3505200"/>
+            <a:ext cx="650110" cy="533400"/>
           </a:xfrm>
           <a:prstGeom prst="rect">
             <a:avLst/>
@@ -5089,12 +5314,12 @@
           <a:p>
             <a:pPr algn="r"/>
             <a:r>
-              <a:rPr lang="en-US" dirty="0">
+              <a:rPr lang="en-US" dirty="0" smtClean="0">
                 <a:solidFill>
                   <a:schemeClr val="tx1"/>
                 </a:solidFill>
               </a:rPr>
-              <a:t>UI</a:t>
+              <a:t>Test driver</a:t>
             </a:r>
             <a:endParaRPr lang="en-SG" dirty="0">
               <a:solidFill>
@@ -5104,16 +5329,90 @@
           </a:p>
         </p:txBody>
       </p:sp>
-      <p:sp>
-        <p:nvSpPr>
-          <p:cNvPr id="63" name="TextBox 62"/>
+      <p:cxnSp>
+        <p:nvCxnSpPr>
+          <p:cNvPr id="64" name="Straight Arrow Connector 63"/>
+          <p:cNvCxnSpPr/>
+          <p:nvPr/>
+        </p:nvCxnSpPr>
+        <p:spPr>
+          <a:xfrm>
+            <a:off x="4217475" y="4419600"/>
+            <a:ext cx="3852000" cy="0"/>
+          </a:xfrm>
+          <a:prstGeom prst="straightConnector1">
+            <a:avLst/>
+          </a:prstGeom>
+          <a:ln w="38100">
+            <a:solidFill>
+              <a:schemeClr val="tx1"/>
+            </a:solidFill>
+            <a:prstDash val="sysDash"/>
+            <a:tailEnd type="arrow"/>
+          </a:ln>
+        </p:spPr>
+        <p:style>
+          <a:lnRef idx="1">
+            <a:schemeClr val="accent1"/>
+          </a:lnRef>
+          <a:fillRef idx="0">
+            <a:schemeClr val="accent1"/>
+          </a:fillRef>
+          <a:effectRef idx="0">
+            <a:schemeClr val="accent1"/>
+          </a:effectRef>
+          <a:fontRef idx="minor">
+            <a:schemeClr val="tx1"/>
+          </a:fontRef>
+        </p:style>
+      </p:cxnSp>
+      <p:cxnSp>
+        <p:nvCxnSpPr>
+          <p:cNvPr id="65" name="Straight Arrow Connector 64"/>
+          <p:cNvCxnSpPr/>
+          <p:nvPr/>
+        </p:nvCxnSpPr>
+        <p:spPr>
+          <a:xfrm flipV="1">
+            <a:off x="4267105" y="6521244"/>
+            <a:ext cx="0" cy="381000"/>
+          </a:xfrm>
+          <a:prstGeom prst="straightConnector1">
+            <a:avLst/>
+          </a:prstGeom>
+          <a:ln w="38100">
+            <a:solidFill>
+              <a:schemeClr val="tx1"/>
+            </a:solidFill>
+            <a:prstDash val="sysDash"/>
+            <a:tailEnd type="arrow"/>
+          </a:ln>
+        </p:spPr>
+        <p:style>
+          <a:lnRef idx="1">
+            <a:schemeClr val="accent1"/>
+          </a:lnRef>
+          <a:fillRef idx="0">
+            <a:schemeClr val="accent1"/>
+          </a:fillRef>
+          <a:effectRef idx="0">
+            <a:schemeClr val="accent1"/>
+          </a:effectRef>
+          <a:fontRef idx="minor">
+            <a:schemeClr val="tx1"/>
+          </a:fontRef>
+        </p:style>
+      </p:cxnSp>
+      <p:sp>
+        <p:nvSpPr>
+          <p:cNvPr id="66" name="TextBox 65"/>
           <p:cNvSpPr txBox="1"/>
           <p:nvPr/>
         </p:nvSpPr>
         <p:spPr>
           <a:xfrm>
-            <a:off x="-152400" y="3442479"/>
-            <a:ext cx="937901" cy="307777"/>
+            <a:off x="3369797" y="6823067"/>
+            <a:ext cx="1816337" cy="307777"/>
           </a:xfrm>
           <a:prstGeom prst="rect">
             <a:avLst/>
@@ -5217,7 +5516,23 @@
                   <a:schemeClr val="tx1"/>
                 </a:solidFill>
               </a:rPr>
-              <a:t>Test driver</a:t>
+              <a:t>App engine </a:t>
+            </a:r>
+            <a:r>
+              <a:rPr lang="en-US" dirty="0" err="1" smtClean="0">
+                <a:solidFill>
+                  <a:schemeClr val="tx1"/>
+                </a:solidFill>
+              </a:rPr>
+              <a:t>cron</a:t>
+            </a:r>
+            <a:r>
+              <a:rPr lang="en-US" dirty="0" smtClean="0">
+                <a:solidFill>
+                  <a:schemeClr val="tx1"/>
+                </a:solidFill>
+              </a:rPr>
+              <a:t> jobs</a:t>
             </a:r>
             <a:endParaRPr lang="en-SG" dirty="0">
               <a:solidFill>
@@ -5227,16 +5542,148 @@
           </a:p>
         </p:txBody>
       </p:sp>
+      <p:sp>
+        <p:nvSpPr>
+          <p:cNvPr id="68" name="Rectangle 67"/>
+          <p:cNvSpPr/>
+          <p:nvPr/>
+        </p:nvSpPr>
+        <p:spPr>
+          <a:xfrm>
+            <a:off x="5097675" y="942972"/>
+            <a:ext cx="2304000" cy="274320"/>
+          </a:xfrm>
+          <a:prstGeom prst="rect">
+            <a:avLst/>
+          </a:prstGeom>
+        </p:spPr>
+        <p:style>
+          <a:lnRef idx="2">
+            <a:schemeClr val="accent4">
+              <a:shade val="50000"/>
+            </a:schemeClr>
+          </a:lnRef>
+          <a:fillRef idx="1">
+            <a:schemeClr val="accent4"/>
+          </a:fillRef>
+          <a:effectRef idx="0">
+            <a:schemeClr val="accent4"/>
+          </a:effectRef>
+          <a:fontRef idx="minor">
+            <a:schemeClr val="lt1"/>
+          </a:fontRef>
+        </p:style>
+        <p:txBody>
+          <a:bodyPr rtlCol="0" anchor="ctr"/>
+          <a:lstStyle/>
+          <a:p>
+            <a:pPr algn="ctr"/>
+            <a:r>
+              <a:rPr lang="en-US" sz="1600" b="1" dirty="0" err="1" smtClean="0"/>
+              <a:t>InstructorsLogic</a:t>
+            </a:r>
+            <a:endParaRPr lang="en-SG" sz="1600" b="1" dirty="0"/>
+          </a:p>
+        </p:txBody>
+      </p:sp>
+      <p:sp>
+        <p:nvSpPr>
+          <p:cNvPr id="69" name="Rectangle 68"/>
+          <p:cNvSpPr/>
+          <p:nvPr/>
+        </p:nvSpPr>
+        <p:spPr>
+          <a:xfrm>
+            <a:off x="5097675" y="1288938"/>
+            <a:ext cx="2304000" cy="274320"/>
+          </a:xfrm>
+          <a:prstGeom prst="rect">
+            <a:avLst/>
+          </a:prstGeom>
+        </p:spPr>
+        <p:style>
+          <a:lnRef idx="2">
+            <a:schemeClr val="accent4">
+              <a:shade val="50000"/>
+            </a:schemeClr>
+          </a:lnRef>
+          <a:fillRef idx="1">
+            <a:schemeClr val="accent4"/>
+          </a:fillRef>
+          <a:effectRef idx="0">
+            <a:schemeClr val="accent4"/>
+          </a:effectRef>
+          <a:fontRef idx="minor">
+            <a:schemeClr val="lt1"/>
+          </a:fontRef>
+        </p:style>
+        <p:txBody>
+          <a:bodyPr rtlCol="0" anchor="ctr"/>
+          <a:lstStyle/>
+          <a:p>
+            <a:pPr algn="ctr"/>
+            <a:r>
+              <a:rPr lang="en-US" sz="1600" b="1" dirty="0" err="1" smtClean="0"/>
+              <a:t>StudentsLogic</a:t>
+            </a:r>
+            <a:endParaRPr lang="en-SG" sz="1600" b="1" dirty="0"/>
+          </a:p>
+        </p:txBody>
+      </p:sp>
+      <p:sp>
+        <p:nvSpPr>
+          <p:cNvPr id="70" name="Rectangle 69"/>
+          <p:cNvSpPr/>
+          <p:nvPr/>
+        </p:nvSpPr>
+        <p:spPr>
+          <a:xfrm>
+            <a:off x="5097675" y="1981200"/>
+            <a:ext cx="2304000" cy="274320"/>
+          </a:xfrm>
+          <a:prstGeom prst="rect">
+            <a:avLst/>
+          </a:prstGeom>
+        </p:spPr>
+        <p:style>
+          <a:lnRef idx="2">
+            <a:schemeClr val="accent4">
+              <a:shade val="50000"/>
+            </a:schemeClr>
+          </a:lnRef>
+          <a:fillRef idx="1">
+            <a:schemeClr val="accent4"/>
+          </a:fillRef>
+          <a:effectRef idx="0">
+            <a:schemeClr val="accent4"/>
+          </a:effectRef>
+          <a:fontRef idx="minor">
+            <a:schemeClr val="lt1"/>
+          </a:fontRef>
+        </p:style>
+        <p:txBody>
+          <a:bodyPr rtlCol="0" anchor="ctr"/>
+          <a:lstStyle/>
+          <a:p>
+            <a:pPr algn="ctr"/>
+            <a:r>
+              <a:rPr lang="en-US" sz="1600" b="1" dirty="0" err="1" smtClean="0"/>
+              <a:t>FeedbackSessionsLogic</a:t>
+            </a:r>
+            <a:endParaRPr lang="en-SG" sz="1600" b="1" dirty="0"/>
+          </a:p>
+        </p:txBody>
+      </p:sp>
       <p:cxnSp>
         <p:nvCxnSpPr>
-          <p:cNvPr id="64" name="Straight Arrow Connector 63"/>
+          <p:cNvPr id="71" name="Straight Arrow Connector 70"/>
           <p:cNvCxnSpPr/>
           <p:nvPr/>
         </p:nvCxnSpPr>
         <p:spPr>
           <a:xfrm>
-            <a:off x="3753490" y="4237432"/>
-            <a:ext cx="4171310" cy="0"/>
+            <a:off x="7383675" y="1412768"/>
+            <a:ext cx="684000" cy="0"/>
           </a:xfrm>
           <a:prstGeom prst="straightConnector1">
             <a:avLst/>
@@ -5266,14 +5713,14 @@
       </p:cxnSp>
       <p:cxnSp>
         <p:nvCxnSpPr>
-          <p:cNvPr id="65" name="Straight Arrow Connector 64"/>
+          <p:cNvPr id="72" name="Straight Arrow Connector 71"/>
           <p:cNvCxnSpPr/>
           <p:nvPr/>
         </p:nvCxnSpPr>
         <p:spPr>
-          <a:xfrm flipV="1">
-            <a:off x="4122430" y="6521244"/>
-            <a:ext cx="0" cy="381000"/>
+          <a:xfrm>
+            <a:off x="7393200" y="1046413"/>
+            <a:ext cx="684000" cy="0"/>
           </a:xfrm>
           <a:prstGeom prst="straightConnector1">
             <a:avLst/>
@@ -5303,14 +5750,928 @@
       </p:cxnSp>
       <p:sp>
         <p:nvSpPr>
-          <p:cNvPr id="66" name="TextBox 65"/>
+          <p:cNvPr id="73" name="Rounded Rectangle 72"/>
+          <p:cNvSpPr/>
+          <p:nvPr/>
+        </p:nvSpPr>
+        <p:spPr>
+          <a:xfrm>
+            <a:off x="4970294" y="4267200"/>
+            <a:ext cx="2576734" cy="233974"/>
+          </a:xfrm>
+          <a:prstGeom prst="roundRect">
+            <a:avLst/>
+          </a:prstGeom>
+          <a:solidFill>
+            <a:schemeClr val="bg1">
+              <a:alpha val="81000"/>
+            </a:schemeClr>
+          </a:solidFill>
+          <a:ln>
+            <a:noFill/>
+          </a:ln>
+          <a:effectLst>
+            <a:softEdge rad="31750"/>
+          </a:effectLst>
+        </p:spPr>
+        <p:style>
+          <a:lnRef idx="2">
+            <a:schemeClr val="accent1">
+              <a:shade val="50000"/>
+            </a:schemeClr>
+          </a:lnRef>
+          <a:fillRef idx="1">
+            <a:schemeClr val="accent1"/>
+          </a:fillRef>
+          <a:effectRef idx="0">
+            <a:schemeClr val="accent1"/>
+          </a:effectRef>
+          <a:fontRef idx="minor">
+            <a:schemeClr val="lt1"/>
+          </a:fontRef>
+        </p:style>
+        <p:txBody>
+          <a:bodyPr rtlCol="0" anchor="ctr"/>
+          <a:lstStyle/>
+          <a:p>
+            <a:pPr algn="ctr"/>
+            <a:endParaRPr lang="en-SG"/>
+          </a:p>
+        </p:txBody>
+      </p:sp>
+      <p:sp>
+        <p:nvSpPr>
+          <p:cNvPr id="74" name="Rectangle 73"/>
+          <p:cNvSpPr/>
+          <p:nvPr/>
+        </p:nvSpPr>
+        <p:spPr>
+          <a:xfrm>
+            <a:off x="5097675" y="598581"/>
+            <a:ext cx="2304000" cy="274320"/>
+          </a:xfrm>
+          <a:prstGeom prst="rect">
+            <a:avLst/>
+          </a:prstGeom>
+        </p:spPr>
+        <p:style>
+          <a:lnRef idx="2">
+            <a:schemeClr val="accent4">
+              <a:shade val="50000"/>
+            </a:schemeClr>
+          </a:lnRef>
+          <a:fillRef idx="1">
+            <a:schemeClr val="accent4"/>
+          </a:fillRef>
+          <a:effectRef idx="0">
+            <a:schemeClr val="accent4"/>
+          </a:effectRef>
+          <a:fontRef idx="minor">
+            <a:schemeClr val="lt1"/>
+          </a:fontRef>
+        </p:style>
+        <p:txBody>
+          <a:bodyPr rtlCol="0" anchor="ctr"/>
+          <a:lstStyle/>
+          <a:p>
+            <a:pPr algn="ctr"/>
+            <a:r>
+              <a:rPr lang="en-US" sz="1600" b="1" dirty="0" err="1" smtClean="0"/>
+              <a:t>AccountsLogic</a:t>
+            </a:r>
+            <a:endParaRPr lang="en-SG" sz="1600" b="1" dirty="0"/>
+          </a:p>
+        </p:txBody>
+      </p:sp>
+      <p:sp>
+        <p:nvSpPr>
+          <p:cNvPr id="75" name="Rectangle 74"/>
+          <p:cNvSpPr/>
+          <p:nvPr/>
+        </p:nvSpPr>
+        <p:spPr>
+          <a:xfrm>
+            <a:off x="5097675" y="1634904"/>
+            <a:ext cx="2304000" cy="274320"/>
+          </a:xfrm>
+          <a:prstGeom prst="rect">
+            <a:avLst/>
+          </a:prstGeom>
+        </p:spPr>
+        <p:style>
+          <a:lnRef idx="2">
+            <a:schemeClr val="accent4">
+              <a:shade val="50000"/>
+            </a:schemeClr>
+          </a:lnRef>
+          <a:fillRef idx="1">
+            <a:schemeClr val="accent4"/>
+          </a:fillRef>
+          <a:effectRef idx="0">
+            <a:schemeClr val="accent4"/>
+          </a:effectRef>
+          <a:fontRef idx="minor">
+            <a:schemeClr val="lt1"/>
+          </a:fontRef>
+        </p:style>
+        <p:txBody>
+          <a:bodyPr rtlCol="0" anchor="ctr"/>
+          <a:lstStyle/>
+          <a:p>
+            <a:pPr algn="ctr"/>
+            <a:r>
+              <a:rPr lang="en-US" sz="1600" b="1" dirty="0" err="1" smtClean="0"/>
+              <a:t>CoursesLogic</a:t>
+            </a:r>
+            <a:endParaRPr lang="en-SG" sz="1600" b="1" dirty="0"/>
+          </a:p>
+        </p:txBody>
+      </p:sp>
+      <p:cxnSp>
+        <p:nvCxnSpPr>
+          <p:cNvPr id="76" name="Straight Arrow Connector 75"/>
+          <p:cNvCxnSpPr/>
+          <p:nvPr/>
+        </p:nvCxnSpPr>
+        <p:spPr>
+          <a:xfrm>
+            <a:off x="7383675" y="734679"/>
+            <a:ext cx="684000" cy="0"/>
+          </a:xfrm>
+          <a:prstGeom prst="straightConnector1">
+            <a:avLst/>
+          </a:prstGeom>
+          <a:ln w="38100">
+            <a:solidFill>
+              <a:schemeClr val="tx1"/>
+            </a:solidFill>
+            <a:prstDash val="sysDash"/>
+            <a:tailEnd type="arrow"/>
+          </a:ln>
+        </p:spPr>
+        <p:style>
+          <a:lnRef idx="1">
+            <a:schemeClr val="accent1"/>
+          </a:lnRef>
+          <a:fillRef idx="0">
+            <a:schemeClr val="accent1"/>
+          </a:fillRef>
+          <a:effectRef idx="0">
+            <a:schemeClr val="accent1"/>
+          </a:effectRef>
+          <a:fontRef idx="minor">
+            <a:schemeClr val="tx1"/>
+          </a:fontRef>
+        </p:style>
+      </p:cxnSp>
+      <p:cxnSp>
+        <p:nvCxnSpPr>
+          <p:cNvPr id="77" name="Straight Arrow Connector 76"/>
+          <p:cNvCxnSpPr/>
+          <p:nvPr/>
+        </p:nvCxnSpPr>
+        <p:spPr>
+          <a:xfrm>
+            <a:off x="7383675" y="1752600"/>
+            <a:ext cx="684000" cy="0"/>
+          </a:xfrm>
+          <a:prstGeom prst="straightConnector1">
+            <a:avLst/>
+          </a:prstGeom>
+          <a:ln w="38100">
+            <a:solidFill>
+              <a:schemeClr val="tx1"/>
+            </a:solidFill>
+            <a:prstDash val="sysDash"/>
+            <a:tailEnd type="arrow"/>
+          </a:ln>
+        </p:spPr>
+        <p:style>
+          <a:lnRef idx="1">
+            <a:schemeClr val="accent1"/>
+          </a:lnRef>
+          <a:fillRef idx="0">
+            <a:schemeClr val="accent1"/>
+          </a:fillRef>
+          <a:effectRef idx="0">
+            <a:schemeClr val="accent1"/>
+          </a:effectRef>
+          <a:fontRef idx="minor">
+            <a:schemeClr val="tx1"/>
+          </a:fontRef>
+        </p:style>
+      </p:cxnSp>
+      <p:cxnSp>
+        <p:nvCxnSpPr>
+          <p:cNvPr id="78" name="Straight Arrow Connector 77"/>
+          <p:cNvCxnSpPr/>
+          <p:nvPr/>
+        </p:nvCxnSpPr>
+        <p:spPr>
+          <a:xfrm flipV="1">
+            <a:off x="7385475" y="2129058"/>
+            <a:ext cx="684000" cy="4542"/>
+          </a:xfrm>
+          <a:prstGeom prst="straightConnector1">
+            <a:avLst/>
+          </a:prstGeom>
+          <a:ln w="38100">
+            <a:solidFill>
+              <a:schemeClr val="tx1"/>
+            </a:solidFill>
+            <a:prstDash val="sysDash"/>
+            <a:tailEnd type="arrow"/>
+          </a:ln>
+        </p:spPr>
+        <p:style>
+          <a:lnRef idx="1">
+            <a:schemeClr val="accent1"/>
+          </a:lnRef>
+          <a:fillRef idx="0">
+            <a:schemeClr val="accent1"/>
+          </a:fillRef>
+          <a:effectRef idx="0">
+            <a:schemeClr val="accent1"/>
+          </a:effectRef>
+          <a:fontRef idx="minor">
+            <a:schemeClr val="tx1"/>
+          </a:fontRef>
+        </p:style>
+      </p:cxnSp>
+      <p:sp>
+        <p:nvSpPr>
+          <p:cNvPr id="79" name="Rectangle 78"/>
+          <p:cNvSpPr/>
+          <p:nvPr/>
+        </p:nvSpPr>
+        <p:spPr>
+          <a:xfrm>
+            <a:off x="5097675" y="2316480"/>
+            <a:ext cx="2304000" cy="274320"/>
+          </a:xfrm>
+          <a:prstGeom prst="rect">
+            <a:avLst/>
+          </a:prstGeom>
+        </p:spPr>
+        <p:style>
+          <a:lnRef idx="2">
+            <a:schemeClr val="accent4">
+              <a:shade val="50000"/>
+            </a:schemeClr>
+          </a:lnRef>
+          <a:fillRef idx="1">
+            <a:schemeClr val="accent4"/>
+          </a:fillRef>
+          <a:effectRef idx="0">
+            <a:schemeClr val="accent4"/>
+          </a:effectRef>
+          <a:fontRef idx="minor">
+            <a:schemeClr val="lt1"/>
+          </a:fontRef>
+        </p:style>
+        <p:txBody>
+          <a:bodyPr rtlCol="0" anchor="ctr"/>
+          <a:lstStyle/>
+          <a:p>
+            <a:pPr algn="ctr"/>
+            <a:r>
+              <a:rPr lang="en-US" sz="1600" b="1" dirty="0" err="1" smtClean="0"/>
+              <a:t>FeedbackResponsesLogic</a:t>
+            </a:r>
+            <a:endParaRPr lang="en-SG" sz="1600" b="1" dirty="0"/>
+          </a:p>
+        </p:txBody>
+      </p:sp>
+      <p:cxnSp>
+        <p:nvCxnSpPr>
+          <p:cNvPr id="80" name="Straight Arrow Connector 79"/>
+          <p:cNvCxnSpPr/>
+          <p:nvPr/>
+        </p:nvCxnSpPr>
+        <p:spPr>
+          <a:xfrm flipV="1">
+            <a:off x="7383675" y="2438400"/>
+            <a:ext cx="684000" cy="4542"/>
+          </a:xfrm>
+          <a:prstGeom prst="straightConnector1">
+            <a:avLst/>
+          </a:prstGeom>
+          <a:ln w="38100">
+            <a:solidFill>
+              <a:schemeClr val="tx1"/>
+            </a:solidFill>
+            <a:prstDash val="sysDash"/>
+            <a:tailEnd type="arrow"/>
+          </a:ln>
+        </p:spPr>
+        <p:style>
+          <a:lnRef idx="1">
+            <a:schemeClr val="accent1"/>
+          </a:lnRef>
+          <a:fillRef idx="0">
+            <a:schemeClr val="accent1"/>
+          </a:fillRef>
+          <a:effectRef idx="0">
+            <a:schemeClr val="accent1"/>
+          </a:effectRef>
+          <a:fontRef idx="minor">
+            <a:schemeClr val="tx1"/>
+          </a:fontRef>
+        </p:style>
+      </p:cxnSp>
+      <p:sp>
+        <p:nvSpPr>
+          <p:cNvPr id="81" name="Rectangle 80"/>
+          <p:cNvSpPr/>
+          <p:nvPr/>
+        </p:nvSpPr>
+        <p:spPr>
+          <a:xfrm>
+            <a:off x="2533528" y="1981200"/>
+            <a:ext cx="1676400" cy="396000"/>
+          </a:xfrm>
+          <a:prstGeom prst="rect">
+            <a:avLst/>
+          </a:prstGeom>
+        </p:spPr>
+        <p:style>
+          <a:lnRef idx="2">
+            <a:schemeClr val="accent2">
+              <a:shade val="50000"/>
+            </a:schemeClr>
+          </a:lnRef>
+          <a:fillRef idx="1">
+            <a:schemeClr val="accent2"/>
+          </a:fillRef>
+          <a:effectRef idx="0">
+            <a:schemeClr val="accent2"/>
+          </a:effectRef>
+          <a:fontRef idx="minor">
+            <a:schemeClr val="lt1"/>
+          </a:fontRef>
+        </p:style>
+        <p:txBody>
+          <a:bodyPr rtlCol="0" anchor="ctr"/>
+          <a:lstStyle/>
+          <a:p>
+            <a:pPr algn="ctr"/>
+            <a:r>
+              <a:rPr lang="en-US" sz="1600" b="1" dirty="0" err="1" smtClean="0"/>
+              <a:t>GateKeeper</a:t>
+            </a:r>
+            <a:endParaRPr lang="en-SG" sz="1600" b="1" dirty="0"/>
+          </a:p>
+        </p:txBody>
+      </p:sp>
+      <p:sp>
+        <p:nvSpPr>
+          <p:cNvPr id="82" name="Rectangle 81"/>
+          <p:cNvSpPr/>
+          <p:nvPr/>
+        </p:nvSpPr>
+        <p:spPr>
+          <a:xfrm>
+            <a:off x="5079675" y="2667000"/>
+            <a:ext cx="2304000" cy="274320"/>
+          </a:xfrm>
+          <a:prstGeom prst="rect">
+            <a:avLst/>
+          </a:prstGeom>
+        </p:spPr>
+        <p:style>
+          <a:lnRef idx="2">
+            <a:schemeClr val="accent4">
+              <a:shade val="50000"/>
+            </a:schemeClr>
+          </a:lnRef>
+          <a:fillRef idx="1">
+            <a:schemeClr val="accent4"/>
+          </a:fillRef>
+          <a:effectRef idx="0">
+            <a:schemeClr val="accent4"/>
+          </a:effectRef>
+          <a:fontRef idx="minor">
+            <a:schemeClr val="lt1"/>
+          </a:fontRef>
+        </p:style>
+        <p:txBody>
+          <a:bodyPr rtlCol="0" anchor="ctr"/>
+          <a:lstStyle/>
+          <a:p>
+            <a:pPr algn="ctr"/>
+            <a:r>
+              <a:rPr lang="en-US" sz="1600" b="1" dirty="0"/>
+              <a:t>*</a:t>
+            </a:r>
+            <a:r>
+              <a:rPr lang="en-US" sz="1600" b="1" dirty="0" smtClean="0"/>
+              <a:t>Logic</a:t>
+            </a:r>
+            <a:endParaRPr lang="en-SG" sz="1600" b="1" dirty="0"/>
+          </a:p>
+        </p:txBody>
+      </p:sp>
+      <p:cxnSp>
+        <p:nvCxnSpPr>
+          <p:cNvPr id="83" name="Straight Arrow Connector 82"/>
+          <p:cNvCxnSpPr/>
+          <p:nvPr/>
+        </p:nvCxnSpPr>
+        <p:spPr>
+          <a:xfrm flipV="1">
+            <a:off x="7385475" y="2814858"/>
+            <a:ext cx="684000" cy="4542"/>
+          </a:xfrm>
+          <a:prstGeom prst="straightConnector1">
+            <a:avLst/>
+          </a:prstGeom>
+          <a:ln w="38100">
+            <a:solidFill>
+              <a:schemeClr val="tx1"/>
+            </a:solidFill>
+            <a:prstDash val="sysDash"/>
+            <a:tailEnd type="arrow"/>
+          </a:ln>
+        </p:spPr>
+        <p:style>
+          <a:lnRef idx="1">
+            <a:schemeClr val="accent1"/>
+          </a:lnRef>
+          <a:fillRef idx="0">
+            <a:schemeClr val="accent1"/>
+          </a:fillRef>
+          <a:effectRef idx="0">
+            <a:schemeClr val="accent1"/>
+          </a:effectRef>
+          <a:fontRef idx="minor">
+            <a:schemeClr val="tx1"/>
+          </a:fontRef>
+        </p:style>
+      </p:cxnSp>
+      <p:sp>
+        <p:nvSpPr>
+          <p:cNvPr id="84" name="Rectangle 83"/>
+          <p:cNvSpPr/>
+          <p:nvPr/>
+        </p:nvSpPr>
+        <p:spPr>
+          <a:xfrm>
+            <a:off x="5632974" y="6004800"/>
+            <a:ext cx="1685065" cy="396000"/>
+          </a:xfrm>
+          <a:prstGeom prst="rect">
+            <a:avLst/>
+          </a:prstGeom>
+        </p:spPr>
+        <p:style>
+          <a:lnRef idx="2">
+            <a:schemeClr val="accent6">
+              <a:shade val="50000"/>
+            </a:schemeClr>
+          </a:lnRef>
+          <a:fillRef idx="1">
+            <a:schemeClr val="accent6"/>
+          </a:fillRef>
+          <a:effectRef idx="0">
+            <a:schemeClr val="accent6"/>
+          </a:effectRef>
+          <a:fontRef idx="minor">
+            <a:schemeClr val="lt1"/>
+          </a:fontRef>
+        </p:style>
+        <p:txBody>
+          <a:bodyPr rtlCol="0" anchor="ctr"/>
+          <a:lstStyle/>
+          <a:p>
+            <a:pPr algn="ctr"/>
+            <a:endParaRPr lang="en-SG" sz="1600" b="1" dirty="0"/>
+          </a:p>
+        </p:txBody>
+      </p:sp>
+      <p:sp>
+        <p:nvSpPr>
+          <p:cNvPr id="85" name="Rectangle 84"/>
+          <p:cNvSpPr/>
+          <p:nvPr/>
+        </p:nvSpPr>
+        <p:spPr>
+          <a:xfrm>
+            <a:off x="5563704" y="6096000"/>
+            <a:ext cx="1685065" cy="396000"/>
+          </a:xfrm>
+          <a:prstGeom prst="rect">
+            <a:avLst/>
+          </a:prstGeom>
+        </p:spPr>
+        <p:style>
+          <a:lnRef idx="2">
+            <a:schemeClr val="accent6">
+              <a:shade val="50000"/>
+            </a:schemeClr>
+          </a:lnRef>
+          <a:fillRef idx="1">
+            <a:schemeClr val="accent6"/>
+          </a:fillRef>
+          <a:effectRef idx="0">
+            <a:schemeClr val="accent6"/>
+          </a:effectRef>
+          <a:fontRef idx="minor">
+            <a:schemeClr val="lt1"/>
+          </a:fontRef>
+        </p:style>
+        <p:txBody>
+          <a:bodyPr rtlCol="0" anchor="ctr"/>
+          <a:lstStyle/>
+          <a:p>
+            <a:pPr algn="ctr"/>
+            <a:r>
+              <a:rPr lang="en-US" sz="1600" b="1" dirty="0"/>
+              <a:t>*</a:t>
+            </a:r>
+            <a:r>
+              <a:rPr lang="en-US" sz="1600" b="1" dirty="0" err="1" smtClean="0"/>
+              <a:t>MailAction</a:t>
+            </a:r>
+            <a:endParaRPr lang="en-SG" sz="1600" b="1" dirty="0"/>
+          </a:p>
+        </p:txBody>
+      </p:sp>
+      <p:sp>
+        <p:nvSpPr>
+          <p:cNvPr id="86" name="Isosceles Triangle 85"/>
+          <p:cNvSpPr/>
+          <p:nvPr/>
+        </p:nvSpPr>
+        <p:spPr>
+          <a:xfrm>
+            <a:off x="6268123" y="5638800"/>
+            <a:ext cx="276225" cy="228600"/>
+          </a:xfrm>
+          <a:prstGeom prst="triangle">
+            <a:avLst/>
+          </a:prstGeom>
+        </p:spPr>
+        <p:style>
+          <a:lnRef idx="2">
+            <a:schemeClr val="accent6">
+              <a:shade val="50000"/>
+            </a:schemeClr>
+          </a:lnRef>
+          <a:fillRef idx="1">
+            <a:schemeClr val="accent6"/>
+          </a:fillRef>
+          <a:effectRef idx="0">
+            <a:schemeClr val="accent6"/>
+          </a:effectRef>
+          <a:fontRef idx="minor">
+            <a:schemeClr val="lt1"/>
+          </a:fontRef>
+        </p:style>
+        <p:txBody>
+          <a:bodyPr rtlCol="0" anchor="ctr"/>
+          <a:lstStyle/>
+          <a:p>
+            <a:pPr algn="ctr"/>
+            <a:endParaRPr lang="en-SG" sz="1600" b="1"/>
+          </a:p>
+        </p:txBody>
+      </p:sp>
+      <p:cxnSp>
+        <p:nvCxnSpPr>
+          <p:cNvPr id="87" name="Straight Connector 86"/>
+          <p:cNvCxnSpPr>
+            <a:stCxn id="86" idx="3"/>
+            <a:endCxn id="85" idx="0"/>
+          </p:cNvCxnSpPr>
+          <p:nvPr/>
+        </p:nvCxnSpPr>
+        <p:spPr>
+          <a:xfrm>
+            <a:off x="6406236" y="5867400"/>
+            <a:ext cx="1" cy="228600"/>
+          </a:xfrm>
+          <a:prstGeom prst="line">
+            <a:avLst/>
+          </a:prstGeom>
+        </p:spPr>
+        <p:style>
+          <a:lnRef idx="2">
+            <a:schemeClr val="accent6">
+              <a:shade val="50000"/>
+            </a:schemeClr>
+          </a:lnRef>
+          <a:fillRef idx="1">
+            <a:schemeClr val="accent6"/>
+          </a:fillRef>
+          <a:effectRef idx="0">
+            <a:schemeClr val="accent6"/>
+          </a:effectRef>
+          <a:fontRef idx="minor">
+            <a:schemeClr val="lt1"/>
+          </a:fontRef>
+        </p:style>
+      </p:cxnSp>
+      <p:sp>
+        <p:nvSpPr>
+          <p:cNvPr id="90" name="Rectangle 89"/>
+          <p:cNvSpPr/>
+          <p:nvPr/>
+        </p:nvSpPr>
+        <p:spPr>
+          <a:xfrm>
+            <a:off x="3314408" y="5105400"/>
+            <a:ext cx="1905000" cy="533400"/>
+          </a:xfrm>
+          <a:prstGeom prst="rect">
+            <a:avLst/>
+          </a:prstGeom>
+        </p:spPr>
+        <p:style>
+          <a:lnRef idx="2">
+            <a:schemeClr val="accent5">
+              <a:shade val="50000"/>
+            </a:schemeClr>
+          </a:lnRef>
+          <a:fillRef idx="1">
+            <a:schemeClr val="accent5"/>
+          </a:fillRef>
+          <a:effectRef idx="0">
+            <a:schemeClr val="accent5"/>
+          </a:effectRef>
+          <a:fontRef idx="minor">
+            <a:schemeClr val="lt1"/>
+          </a:fontRef>
+        </p:style>
+        <p:txBody>
+          <a:bodyPr rtlCol="0" anchor="ctr"/>
+          <a:lstStyle/>
+          <a:p>
+            <a:pPr algn="ctr"/>
+            <a:r>
+              <a:rPr lang="en-US" sz="1600" b="1" dirty="0" smtClean="0"/>
+              <a:t>Automated</a:t>
+            </a:r>
+            <a:br>
+              <a:rPr lang="en-US" sz="1600" b="1" dirty="0" smtClean="0"/>
+            </a:br>
+            <a:r>
+              <a:rPr lang="en-US" sz="1600" b="1" dirty="0" err="1" smtClean="0"/>
+              <a:t>RemindersServlet</a:t>
+            </a:r>
+            <a:endParaRPr lang="en-SG" sz="1600" b="1" dirty="0"/>
+          </a:p>
+        </p:txBody>
+      </p:sp>
+      <p:sp>
+        <p:nvSpPr>
+          <p:cNvPr id="91" name="Rectangle 90"/>
+          <p:cNvSpPr/>
+          <p:nvPr/>
+        </p:nvSpPr>
+        <p:spPr>
+          <a:xfrm>
+            <a:off x="3396504" y="5928600"/>
+            <a:ext cx="1853571" cy="396000"/>
+          </a:xfrm>
+          <a:prstGeom prst="rect">
+            <a:avLst/>
+          </a:prstGeom>
+        </p:spPr>
+        <p:style>
+          <a:lnRef idx="2">
+            <a:schemeClr val="accent5">
+              <a:shade val="50000"/>
+            </a:schemeClr>
+          </a:lnRef>
+          <a:fillRef idx="1">
+            <a:schemeClr val="accent5"/>
+          </a:fillRef>
+          <a:effectRef idx="0">
+            <a:schemeClr val="accent5"/>
+          </a:effectRef>
+          <a:fontRef idx="minor">
+            <a:schemeClr val="lt1"/>
+          </a:fontRef>
+        </p:style>
+        <p:txBody>
+          <a:bodyPr rtlCol="0" anchor="ctr"/>
+          <a:lstStyle/>
+          <a:p>
+            <a:pPr algn="ctr"/>
+            <a:endParaRPr lang="en-SG" sz="1600" b="1" dirty="0"/>
+          </a:p>
+        </p:txBody>
+      </p:sp>
+      <p:sp>
+        <p:nvSpPr>
+          <p:cNvPr id="92" name="Rectangle 91"/>
+          <p:cNvSpPr/>
+          <p:nvPr/>
+        </p:nvSpPr>
+        <p:spPr>
+          <a:xfrm>
+            <a:off x="3340123" y="6004800"/>
+            <a:ext cx="1853571" cy="396000"/>
+          </a:xfrm>
+          <a:prstGeom prst="rect">
+            <a:avLst/>
+          </a:prstGeom>
+        </p:spPr>
+        <p:style>
+          <a:lnRef idx="2">
+            <a:schemeClr val="accent5">
+              <a:shade val="50000"/>
+            </a:schemeClr>
+          </a:lnRef>
+          <a:fillRef idx="1">
+            <a:schemeClr val="accent5"/>
+          </a:fillRef>
+          <a:effectRef idx="0">
+            <a:schemeClr val="accent5"/>
+          </a:effectRef>
+          <a:fontRef idx="minor">
+            <a:schemeClr val="lt1"/>
+          </a:fontRef>
+        </p:style>
+        <p:txBody>
+          <a:bodyPr rtlCol="0" anchor="ctr"/>
+          <a:lstStyle/>
+          <a:p>
+            <a:pPr algn="ctr"/>
+            <a:endParaRPr lang="en-SG" sz="1600" b="1" dirty="0"/>
+          </a:p>
+        </p:txBody>
+      </p:sp>
+      <p:sp>
+        <p:nvSpPr>
+          <p:cNvPr id="93" name="Rectangle 92"/>
+          <p:cNvSpPr/>
+          <p:nvPr/>
+        </p:nvSpPr>
+        <p:spPr>
+          <a:xfrm>
+            <a:off x="3270853" y="6096000"/>
+            <a:ext cx="1853571" cy="396000"/>
+          </a:xfrm>
+          <a:prstGeom prst="rect">
+            <a:avLst/>
+          </a:prstGeom>
+        </p:spPr>
+        <p:style>
+          <a:lnRef idx="2">
+            <a:schemeClr val="accent5">
+              <a:shade val="50000"/>
+            </a:schemeClr>
+          </a:lnRef>
+          <a:fillRef idx="1">
+            <a:schemeClr val="accent5"/>
+          </a:fillRef>
+          <a:effectRef idx="0">
+            <a:schemeClr val="accent5"/>
+          </a:effectRef>
+          <a:fontRef idx="minor">
+            <a:schemeClr val="lt1"/>
+          </a:fontRef>
+        </p:style>
+        <p:txBody>
+          <a:bodyPr rtlCol="0" anchor="ctr"/>
+          <a:lstStyle/>
+          <a:p>
+            <a:pPr algn="ctr"/>
+            <a:r>
+              <a:rPr lang="en-US" sz="1600" b="1" dirty="0" smtClean="0"/>
+              <a:t>*</a:t>
+            </a:r>
+            <a:r>
+              <a:rPr lang="en-US" sz="1600" b="1" dirty="0" err="1" smtClean="0"/>
+              <a:t>RemindersServlet</a:t>
+            </a:r>
+            <a:endParaRPr lang="en-SG" sz="1600" b="1" dirty="0"/>
+          </a:p>
+        </p:txBody>
+      </p:sp>
+      <p:sp>
+        <p:nvSpPr>
+          <p:cNvPr id="94" name="Isosceles Triangle 93"/>
+          <p:cNvSpPr/>
+          <p:nvPr/>
+        </p:nvSpPr>
+        <p:spPr>
+          <a:xfrm>
+            <a:off x="4059525" y="5638800"/>
+            <a:ext cx="276225" cy="228600"/>
+          </a:xfrm>
+          <a:prstGeom prst="triangle">
+            <a:avLst/>
+          </a:prstGeom>
+        </p:spPr>
+        <p:style>
+          <a:lnRef idx="2">
+            <a:schemeClr val="accent5">
+              <a:shade val="50000"/>
+            </a:schemeClr>
+          </a:lnRef>
+          <a:fillRef idx="1">
+            <a:schemeClr val="accent5"/>
+          </a:fillRef>
+          <a:effectRef idx="0">
+            <a:schemeClr val="accent5"/>
+          </a:effectRef>
+          <a:fontRef idx="minor">
+            <a:schemeClr val="lt1"/>
+          </a:fontRef>
+        </p:style>
+        <p:txBody>
+          <a:bodyPr rtlCol="0" anchor="ctr"/>
+          <a:lstStyle/>
+          <a:p>
+            <a:pPr algn="ctr"/>
+            <a:endParaRPr lang="en-SG" sz="1600" b="1"/>
+          </a:p>
+        </p:txBody>
+      </p:sp>
+      <p:cxnSp>
+        <p:nvCxnSpPr>
+          <p:cNvPr id="95" name="Straight Connector 94"/>
+          <p:cNvCxnSpPr>
+            <a:stCxn id="94" idx="3"/>
+            <a:endCxn id="93" idx="0"/>
+          </p:cNvCxnSpPr>
+          <p:nvPr/>
+        </p:nvCxnSpPr>
+        <p:spPr>
+          <a:xfrm>
+            <a:off x="4197638" y="5867400"/>
+            <a:ext cx="1" cy="228600"/>
+          </a:xfrm>
+          <a:prstGeom prst="line">
+            <a:avLst/>
+          </a:prstGeom>
+        </p:spPr>
+        <p:style>
+          <a:lnRef idx="2">
+            <a:schemeClr val="accent5">
+              <a:shade val="50000"/>
+            </a:schemeClr>
+          </a:lnRef>
+          <a:fillRef idx="1">
+            <a:schemeClr val="accent5"/>
+          </a:fillRef>
+          <a:effectRef idx="0">
+            <a:schemeClr val="accent5"/>
+          </a:effectRef>
+          <a:fontRef idx="minor">
+            <a:schemeClr val="lt1"/>
+          </a:fontRef>
+        </p:style>
+      </p:cxnSp>
+      <p:cxnSp>
+        <p:nvCxnSpPr>
+          <p:cNvPr id="96" name="Straight Arrow Connector 95"/>
+          <p:cNvCxnSpPr/>
+          <p:nvPr/>
+        </p:nvCxnSpPr>
+        <p:spPr>
+          <a:xfrm flipV="1">
+            <a:off x="6464645" y="6521244"/>
+            <a:ext cx="0" cy="381000"/>
+          </a:xfrm>
+          <a:prstGeom prst="straightConnector1">
+            <a:avLst/>
+          </a:prstGeom>
+          <a:ln w="38100">
+            <a:solidFill>
+              <a:schemeClr val="tx1"/>
+            </a:solidFill>
+            <a:prstDash val="sysDash"/>
+            <a:tailEnd type="arrow"/>
+          </a:ln>
+        </p:spPr>
+        <p:style>
+          <a:lnRef idx="1">
+            <a:schemeClr val="accent1"/>
+          </a:lnRef>
+          <a:fillRef idx="0">
+            <a:schemeClr val="accent1"/>
+          </a:fillRef>
+          <a:effectRef idx="0">
+            <a:schemeClr val="accent1"/>
+          </a:effectRef>
+          <a:fontRef idx="minor">
+            <a:schemeClr val="tx1"/>
+          </a:fontRef>
+        </p:style>
+      </p:cxnSp>
+      <p:sp>
+        <p:nvSpPr>
+          <p:cNvPr id="97" name="TextBox 96"/>
           <p:cNvSpPr txBox="1"/>
           <p:nvPr/>
         </p:nvSpPr>
         <p:spPr>
           <a:xfrm>
-            <a:off x="3225122" y="6823067"/>
-            <a:ext cx="1816337" cy="307777"/>
+            <a:off x="5234372" y="6823067"/>
+            <a:ext cx="2149303" cy="307777"/>
           </a:xfrm>
           <a:prstGeom prst="rect">
             <a:avLst/>
@@ -5414,23 +6775,7 @@
                   <a:schemeClr val="tx1"/>
                 </a:solidFill>
               </a:rPr>
-              <a:t>App engine </a:t>
-            </a:r>
-            <a:r>
-              <a:rPr lang="en-US" dirty="0" err="1" smtClean="0">
-                <a:solidFill>
-                  <a:schemeClr val="tx1"/>
-                </a:solidFill>
-              </a:rPr>
-              <a:t>cron</a:t>
-            </a:r>
-            <a:r>
-              <a:rPr lang="en-US" dirty="0" smtClean="0">
-                <a:solidFill>
-                  <a:schemeClr val="tx1"/>
-                </a:solidFill>
-              </a:rPr>
-              <a:t> jobs</a:t>
+              <a:t>App engine task queues</a:t>
             </a:r>
             <a:endParaRPr lang="en-SG" dirty="0">
               <a:solidFill>
@@ -5442,22 +6787,30 @@
       </p:sp>
       <p:cxnSp>
         <p:nvCxnSpPr>
-          <p:cNvPr id="67" name="Straight Arrow Connector 66"/>
-          <p:cNvCxnSpPr/>
+          <p:cNvPr id="98" name="Straight Arrow Connector 97"/>
+          <p:cNvCxnSpPr>
+            <a:stCxn id="90" idx="3"/>
+            <a:endCxn id="57" idx="1"/>
+          </p:cNvCxnSpPr>
           <p:nvPr/>
         </p:nvCxnSpPr>
         <p:spPr>
-          <a:xfrm flipH="1">
-            <a:off x="3753490" y="3744819"/>
-            <a:ext cx="1720446" cy="2233"/>
+          <a:xfrm>
+            <a:off x="5219408" y="5372100"/>
+            <a:ext cx="468908" cy="0"/>
           </a:xfrm>
           <a:prstGeom prst="straightConnector1">
             <a:avLst/>
           </a:prstGeom>
           <a:ln>
-            <a:prstDash val="sysDot"/>
-            <a:headEnd type="arrow" w="med" len="med"/>
-            <a:tailEnd type="none" w="med" len="med"/>
+            <a:solidFill>
+              <a:schemeClr val="accent5">
+                <a:lumMod val="75000"/>
+              </a:schemeClr>
+            </a:solidFill>
+            <a:prstDash val="sysDash"/>
+            <a:headEnd type="none" w="med" len="med"/>
+            <a:tailEnd type="arrow" w="med" len="med"/>
           </a:ln>
         </p:spPr>
         <p:style>
@@ -5479,14 +6832,14 @@
       </p:cxnSp>
       <p:sp>
         <p:nvSpPr>
-          <p:cNvPr id="68" name="Rectangle 67"/>
+          <p:cNvPr id="88" name="Rectangle 87"/>
           <p:cNvSpPr/>
           <p:nvPr/>
         </p:nvSpPr>
         <p:spPr>
           <a:xfrm>
-            <a:off x="5476875" y="801591"/>
-            <a:ext cx="1676400" cy="274320"/>
+            <a:off x="1456620" y="5105400"/>
+            <a:ext cx="1431255" cy="464670"/>
           </a:xfrm>
           <a:prstGeom prst="rect">
             <a:avLst/>
@@ -5494,15 +6847,15 @@
         </p:spPr>
         <p:style>
           <a:lnRef idx="2">
-            <a:schemeClr val="accent4">
+            <a:schemeClr val="accent3">
               <a:shade val="50000"/>
             </a:schemeClr>
           </a:lnRef>
           <a:fillRef idx="1">
-            <a:schemeClr val="accent4"/>
+            <a:schemeClr val="accent3"/>
           </a:fillRef>
           <a:effectRef idx="0">
-            <a:schemeClr val="accent4"/>
+            <a:schemeClr val="accent3"/>
           </a:effectRef>
           <a:fontRef idx="minor">
             <a:schemeClr val="lt1"/>
@@ -5515,7 +6868,7 @@
             <a:pPr algn="ctr"/>
             <a:r>
               <a:rPr lang="en-US" sz="1600" b="1" dirty="0" err="1" smtClean="0"/>
-              <a:t>InstructorsLogic</a:t>
+              <a:t>WorkerServlet</a:t>
             </a:r>
             <a:endParaRPr lang="en-SG" sz="1600" b="1" dirty="0"/>
           </a:p>
@@ -5523,14 +6876,14 @@
       </p:sp>
       <p:sp>
         <p:nvSpPr>
-          <p:cNvPr id="69" name="Rectangle 68"/>
+          <p:cNvPr id="89" name="Rectangle 88"/>
           <p:cNvSpPr/>
           <p:nvPr/>
         </p:nvSpPr>
         <p:spPr>
           <a:xfrm>
-            <a:off x="5476875" y="1147557"/>
-            <a:ext cx="1676400" cy="274320"/>
+            <a:off x="1508398" y="5928600"/>
+            <a:ext cx="1531877" cy="396000"/>
           </a:xfrm>
           <a:prstGeom prst="rect">
             <a:avLst/>
@@ -5538,15 +6891,15 @@
         </p:spPr>
         <p:style>
           <a:lnRef idx="2">
-            <a:schemeClr val="accent4">
+            <a:schemeClr val="accent3">
               <a:shade val="50000"/>
             </a:schemeClr>
           </a:lnRef>
           <a:fillRef idx="1">
-            <a:schemeClr val="accent4"/>
+            <a:schemeClr val="accent3"/>
           </a:fillRef>
           <a:effectRef idx="0">
-            <a:schemeClr val="accent4"/>
+            <a:schemeClr val="accent3"/>
           </a:effectRef>
           <a:fontRef idx="minor">
             <a:schemeClr val="lt1"/>
@@ -5557,24 +6910,20 @@
           <a:lstStyle/>
           <a:p>
             <a:pPr algn="ctr"/>
-            <a:r>
-              <a:rPr lang="en-US" sz="1600" b="1" dirty="0" err="1" smtClean="0"/>
-              <a:t>StudentsLogic</a:t>
-            </a:r>
             <a:endParaRPr lang="en-SG" sz="1600" b="1" dirty="0"/>
           </a:p>
         </p:txBody>
       </p:sp>
       <p:sp>
         <p:nvSpPr>
-          <p:cNvPr id="70" name="Rectangle 69"/>
+          <p:cNvPr id="99" name="Rectangle 98"/>
           <p:cNvSpPr/>
           <p:nvPr/>
         </p:nvSpPr>
         <p:spPr>
           <a:xfrm>
-            <a:off x="5476875" y="1839488"/>
-            <a:ext cx="1676400" cy="274320"/>
+            <a:off x="1432198" y="6004800"/>
+            <a:ext cx="1531877" cy="396000"/>
           </a:xfrm>
           <a:prstGeom prst="rect">
             <a:avLst/>
@@ -5582,15 +6931,15 @@
         </p:spPr>
         <p:style>
           <a:lnRef idx="2">
-            <a:schemeClr val="accent4">
+            <a:schemeClr val="accent3">
               <a:shade val="50000"/>
             </a:schemeClr>
           </a:lnRef>
           <a:fillRef idx="1">
-            <a:schemeClr val="accent4"/>
+            <a:schemeClr val="accent3"/>
           </a:fillRef>
           <a:effectRef idx="0">
-            <a:schemeClr val="accent4"/>
+            <a:schemeClr val="accent3"/>
           </a:effectRef>
           <a:fontRef idx="minor">
             <a:schemeClr val="lt1"/>
@@ -5601,125 +6950,36 @@
           <a:lstStyle/>
           <a:p>
             <a:pPr algn="ctr"/>
-            <a:r>
-              <a:rPr lang="en-US" sz="1600" b="1" dirty="0" err="1" smtClean="0"/>
-              <a:t>EvaluationsLogic</a:t>
-            </a:r>
             <a:endParaRPr lang="en-SG" sz="1600" b="1" dirty="0"/>
           </a:p>
         </p:txBody>
       </p:sp>
-      <p:cxnSp>
-        <p:nvCxnSpPr>
-          <p:cNvPr id="71" name="Straight Arrow Connector 70"/>
-          <p:cNvCxnSpPr/>
-          <p:nvPr/>
-        </p:nvCxnSpPr>
-        <p:spPr>
-          <a:xfrm>
-            <a:off x="7153275" y="1272449"/>
-            <a:ext cx="723900" cy="0"/>
-          </a:xfrm>
-          <a:prstGeom prst="straightConnector1">
-            <a:avLst/>
-          </a:prstGeom>
-          <a:ln w="38100">
-            <a:solidFill>
-              <a:schemeClr val="tx1"/>
-            </a:solidFill>
-            <a:prstDash val="sysDash"/>
-            <a:tailEnd type="arrow"/>
-          </a:ln>
-        </p:spPr>
-        <p:style>
-          <a:lnRef idx="1">
-            <a:schemeClr val="accent1"/>
-          </a:lnRef>
-          <a:fillRef idx="0">
-            <a:schemeClr val="accent1"/>
-          </a:fillRef>
-          <a:effectRef idx="0">
-            <a:schemeClr val="accent1"/>
-          </a:effectRef>
-          <a:fontRef idx="minor">
-            <a:schemeClr val="tx1"/>
-          </a:fontRef>
-        </p:style>
-      </p:cxnSp>
-      <p:cxnSp>
-        <p:nvCxnSpPr>
-          <p:cNvPr id="72" name="Straight Arrow Connector 71"/>
-          <p:cNvCxnSpPr/>
-          <p:nvPr/>
-        </p:nvCxnSpPr>
-        <p:spPr>
-          <a:xfrm>
-            <a:off x="7162800" y="906094"/>
-            <a:ext cx="771525" cy="0"/>
-          </a:xfrm>
-          <a:prstGeom prst="straightConnector1">
-            <a:avLst/>
-          </a:prstGeom>
-          <a:ln w="38100">
-            <a:solidFill>
-              <a:schemeClr val="tx1"/>
-            </a:solidFill>
-            <a:prstDash val="sysDash"/>
-            <a:tailEnd type="arrow"/>
-          </a:ln>
-        </p:spPr>
-        <p:style>
-          <a:lnRef idx="1">
-            <a:schemeClr val="accent1"/>
-          </a:lnRef>
-          <a:fillRef idx="0">
-            <a:schemeClr val="accent1"/>
-          </a:fillRef>
-          <a:effectRef idx="0">
-            <a:schemeClr val="accent1"/>
-          </a:effectRef>
-          <a:fontRef idx="minor">
-            <a:schemeClr val="tx1"/>
-          </a:fontRef>
-        </p:style>
-      </p:cxnSp>
-      <p:sp>
-        <p:nvSpPr>
-          <p:cNvPr id="73" name="Rounded Rectangle 72"/>
+      <p:sp>
+        <p:nvSpPr>
+          <p:cNvPr id="100" name="Rectangle 99"/>
           <p:cNvSpPr/>
           <p:nvPr/>
         </p:nvSpPr>
         <p:spPr>
           <a:xfrm>
-            <a:off x="4825619" y="4120445"/>
-            <a:ext cx="2576734" cy="233974"/>
-          </a:xfrm>
-          <a:prstGeom prst="roundRect">
-            <a:avLst/>
-          </a:prstGeom>
-          <a:solidFill>
-            <a:schemeClr val="bg1">
-              <a:alpha val="81000"/>
-            </a:schemeClr>
-          </a:solidFill>
-          <a:ln>
-            <a:noFill/>
-          </a:ln>
-          <a:effectLst>
-            <a:softEdge rad="31750"/>
-          </a:effectLst>
+            <a:off x="1360144" y="6096000"/>
+            <a:ext cx="1531877" cy="396000"/>
+          </a:xfrm>
+          <a:prstGeom prst="rect">
+            <a:avLst/>
+          </a:prstGeom>
         </p:spPr>
         <p:style>
           <a:lnRef idx="2">
-            <a:schemeClr val="accent1">
+            <a:schemeClr val="accent3">
               <a:shade val="50000"/>
             </a:schemeClr>
           </a:lnRef>
           <a:fillRef idx="1">
-            <a:schemeClr val="accent1"/>
+            <a:schemeClr val="accent3"/>
           </a:fillRef>
           <a:effectRef idx="0">
-            <a:schemeClr val="accent1"/>
+            <a:schemeClr val="accent3"/>
           </a:effectRef>
           <a:fontRef idx="minor">
             <a:schemeClr val="lt1"/>
@@ -5730,36 +6990,44 @@
           <a:lstStyle/>
           <a:p>
             <a:pPr algn="ctr"/>
-            <a:endParaRPr lang="en-SG"/>
-          </a:p>
-        </p:txBody>
-      </p:sp>
-      <p:sp>
-        <p:nvSpPr>
-          <p:cNvPr id="74" name="Rectangle 73"/>
+            <a:r>
+              <a:rPr lang="en-US" sz="1600" b="1" dirty="0" smtClean="0"/>
+              <a:t>*</a:t>
+            </a:r>
+            <a:r>
+              <a:rPr lang="en-US" sz="1600" b="1" dirty="0" err="1" smtClean="0"/>
+              <a:t>WorkerServlet</a:t>
+            </a:r>
+            <a:endParaRPr lang="en-SG" sz="1600" b="1" dirty="0"/>
+          </a:p>
+        </p:txBody>
+      </p:sp>
+      <p:sp>
+        <p:nvSpPr>
+          <p:cNvPr id="101" name="Isosceles Triangle 100"/>
           <p:cNvSpPr/>
           <p:nvPr/>
         </p:nvSpPr>
         <p:spPr>
           <a:xfrm>
-            <a:off x="5476875" y="457200"/>
-            <a:ext cx="1676400" cy="274320"/>
-          </a:xfrm>
-          <a:prstGeom prst="rect">
+            <a:off x="1973475" y="5562600"/>
+            <a:ext cx="276225" cy="228600"/>
+          </a:xfrm>
+          <a:prstGeom prst="triangle">
             <a:avLst/>
           </a:prstGeom>
         </p:spPr>
         <p:style>
           <a:lnRef idx="2">
-            <a:schemeClr val="accent4">
+            <a:schemeClr val="accent3">
               <a:shade val="50000"/>
             </a:schemeClr>
           </a:lnRef>
           <a:fillRef idx="1">
-            <a:schemeClr val="accent4"/>
+            <a:schemeClr val="accent3"/>
           </a:fillRef>
           <a:effectRef idx="0">
-            <a:schemeClr val="accent4"/>
+            <a:schemeClr val="accent3"/>
           </a:effectRef>
           <a:fontRef idx="minor">
             <a:schemeClr val="lt1"/>
@@ -5770,179 +7038,52 @@
           <a:lstStyle/>
           <a:p>
             <a:pPr algn="ctr"/>
-            <a:r>
-              <a:rPr lang="en-US" sz="1600" b="1" dirty="0" err="1" smtClean="0"/>
-              <a:t>AccountsLogic</a:t>
-            </a:r>
-            <a:endParaRPr lang="en-SG" sz="1600" b="1" dirty="0"/>
-          </a:p>
-        </p:txBody>
-      </p:sp>
-      <p:sp>
-        <p:nvSpPr>
-          <p:cNvPr id="75" name="Rectangle 74"/>
-          <p:cNvSpPr/>
+            <a:endParaRPr lang="en-SG" sz="1600" b="1"/>
+          </a:p>
+        </p:txBody>
+      </p:sp>
+      <p:cxnSp>
+        <p:nvCxnSpPr>
+          <p:cNvPr id="102" name="Straight Connector 101"/>
+          <p:cNvCxnSpPr/>
           <p:nvPr/>
-        </p:nvSpPr>
-        <p:spPr>
-          <a:xfrm>
-            <a:off x="5476875" y="1493523"/>
-            <a:ext cx="1676400" cy="274320"/>
-          </a:xfrm>
-          <a:prstGeom prst="rect">
+        </p:nvCxnSpPr>
+        <p:spPr>
+          <a:xfrm>
+            <a:off x="2125875" y="5791200"/>
+            <a:ext cx="14495" cy="304800"/>
+          </a:xfrm>
+          <a:prstGeom prst="line">
             <a:avLst/>
           </a:prstGeom>
         </p:spPr>
         <p:style>
           <a:lnRef idx="2">
-            <a:schemeClr val="accent4">
+            <a:schemeClr val="accent3">
               <a:shade val="50000"/>
             </a:schemeClr>
           </a:lnRef>
           <a:fillRef idx="1">
-            <a:schemeClr val="accent4"/>
+            <a:schemeClr val="accent3"/>
           </a:fillRef>
           <a:effectRef idx="0">
-            <a:schemeClr val="accent4"/>
+            <a:schemeClr val="accent3"/>
           </a:effectRef>
           <a:fontRef idx="minor">
             <a:schemeClr val="lt1"/>
           </a:fontRef>
         </p:style>
-        <p:txBody>
-          <a:bodyPr rtlCol="0" anchor="ctr"/>
-          <a:lstStyle/>
-          <a:p>
-            <a:pPr algn="ctr"/>
-            <a:r>
-              <a:rPr lang="en-US" sz="1600" b="1" dirty="0" err="1" smtClean="0"/>
-              <a:t>CoursesLogic</a:t>
-            </a:r>
-            <a:endParaRPr lang="en-SG" sz="1600" b="1" dirty="0"/>
-          </a:p>
-        </p:txBody>
-      </p:sp>
-      <p:cxnSp>
-        <p:nvCxnSpPr>
-          <p:cNvPr id="76" name="Straight Arrow Connector 75"/>
-          <p:cNvCxnSpPr/>
-          <p:nvPr/>
-        </p:nvCxnSpPr>
-        <p:spPr>
-          <a:xfrm>
-            <a:off x="7153275" y="594360"/>
-            <a:ext cx="745256" cy="0"/>
-          </a:xfrm>
-          <a:prstGeom prst="straightConnector1">
-            <a:avLst/>
-          </a:prstGeom>
-          <a:ln w="38100">
-            <a:solidFill>
-              <a:schemeClr val="tx1"/>
-            </a:solidFill>
-            <a:prstDash val="sysDash"/>
-            <a:tailEnd type="arrow"/>
-          </a:ln>
-        </p:spPr>
-        <p:style>
-          <a:lnRef idx="1">
-            <a:schemeClr val="accent1"/>
-          </a:lnRef>
-          <a:fillRef idx="0">
-            <a:schemeClr val="accent1"/>
-          </a:fillRef>
-          <a:effectRef idx="0">
-            <a:schemeClr val="accent1"/>
-          </a:effectRef>
-          <a:fontRef idx="minor">
-            <a:schemeClr val="tx1"/>
-          </a:fontRef>
-        </p:style>
       </p:cxnSp>
-      <p:cxnSp>
-        <p:nvCxnSpPr>
-          <p:cNvPr id="77" name="Straight Arrow Connector 76"/>
-          <p:cNvCxnSpPr/>
-          <p:nvPr/>
-        </p:nvCxnSpPr>
-        <p:spPr>
-          <a:xfrm>
-            <a:off x="7153275" y="1612281"/>
-            <a:ext cx="762000" cy="0"/>
-          </a:xfrm>
-          <a:prstGeom prst="straightConnector1">
-            <a:avLst/>
-          </a:prstGeom>
-          <a:ln w="38100">
-            <a:solidFill>
-              <a:schemeClr val="tx1"/>
-            </a:solidFill>
-            <a:prstDash val="sysDash"/>
-            <a:tailEnd type="arrow"/>
-          </a:ln>
-        </p:spPr>
-        <p:style>
-          <a:lnRef idx="1">
-            <a:schemeClr val="accent1"/>
-          </a:lnRef>
-          <a:fillRef idx="0">
-            <a:schemeClr val="accent1"/>
-          </a:fillRef>
-          <a:effectRef idx="0">
-            <a:schemeClr val="accent1"/>
-          </a:effectRef>
-          <a:fontRef idx="minor">
-            <a:schemeClr val="tx1"/>
-          </a:fontRef>
-        </p:style>
-      </p:cxnSp>
-      <p:cxnSp>
-        <p:nvCxnSpPr>
-          <p:cNvPr id="78" name="Straight Arrow Connector 77"/>
-          <p:cNvCxnSpPr/>
-          <p:nvPr/>
-        </p:nvCxnSpPr>
-        <p:spPr>
-          <a:xfrm flipV="1">
-            <a:off x="7153275" y="1952115"/>
-            <a:ext cx="771525" cy="4542"/>
-          </a:xfrm>
-          <a:prstGeom prst="straightConnector1">
-            <a:avLst/>
-          </a:prstGeom>
-          <a:ln w="38100">
-            <a:solidFill>
-              <a:schemeClr val="tx1"/>
-            </a:solidFill>
-            <a:prstDash val="sysDash"/>
-            <a:tailEnd type="arrow"/>
-          </a:ln>
-        </p:spPr>
-        <p:style>
-          <a:lnRef idx="1">
-            <a:schemeClr val="accent1"/>
-          </a:lnRef>
-          <a:fillRef idx="0">
-            <a:schemeClr val="accent1"/>
-          </a:fillRef>
-          <a:effectRef idx="0">
-            <a:schemeClr val="accent1"/>
-          </a:effectRef>
-          <a:fontRef idx="minor">
-            <a:schemeClr val="tx1"/>
-          </a:fontRef>
-        </p:style>
-      </p:cxnSp>
-      <p:sp>
-        <p:nvSpPr>
-          <p:cNvPr id="79" name="Rectangle 78"/>
+      <p:sp>
+        <p:nvSpPr>
+          <p:cNvPr id="103" name="Rectangle 102"/>
           <p:cNvSpPr/>
           <p:nvPr/>
         </p:nvSpPr>
         <p:spPr>
           <a:xfrm>
-            <a:off x="5476875" y="2205248"/>
-            <a:ext cx="1676400" cy="274320"/>
+            <a:off x="1363875" y="855000"/>
+            <a:ext cx="2566316" cy="288000"/>
           </a:xfrm>
           <a:prstGeom prst="rect">
             <a:avLst/>
@@ -5950,15 +7091,15 @@
         </p:spPr>
         <p:style>
           <a:lnRef idx="2">
-            <a:schemeClr val="accent4">
+            <a:schemeClr val="accent5">
               <a:shade val="50000"/>
             </a:schemeClr>
           </a:lnRef>
           <a:fillRef idx="1">
-            <a:schemeClr val="accent4"/>
+            <a:schemeClr val="accent5"/>
           </a:fillRef>
           <a:effectRef idx="0">
-            <a:schemeClr val="accent4"/>
+            <a:schemeClr val="accent5"/>
           </a:effectRef>
           <a:fontRef idx="minor">
             <a:schemeClr val="lt1"/>
@@ -5971,7 +7112,7 @@
             <a:pPr algn="ctr"/>
             <a:r>
               <a:rPr lang="en-US" sz="1600" b="1" dirty="0" err="1" smtClean="0"/>
-              <a:t>SubmissionsLogic</a:t>
+              <a:t>PublicResourcesServlet</a:t>
             </a:r>
             <a:endParaRPr lang="en-SG" sz="1600" b="1" dirty="0"/>
           </a:p>
@@ -5979,55 +7120,25 @@
       </p:sp>
       <p:cxnSp>
         <p:nvCxnSpPr>
-          <p:cNvPr id="80" name="Straight Arrow Connector 79"/>
-          <p:cNvCxnSpPr/>
+          <p:cNvPr id="104" name="Elbow Connector 103"/>
+          <p:cNvCxnSpPr>
+            <a:stCxn id="52" idx="2"/>
+            <a:endCxn id="51" idx="1"/>
+          </p:cNvCxnSpPr>
           <p:nvPr/>
         </p:nvCxnSpPr>
         <p:spPr>
-          <a:xfrm flipV="1">
-            <a:off x="7153275" y="2317875"/>
-            <a:ext cx="771525" cy="4542"/>
-          </a:xfrm>
-          <a:prstGeom prst="straightConnector1">
-            <a:avLst/>
-          </a:prstGeom>
-          <a:ln w="38100">
-            <a:solidFill>
-              <a:schemeClr val="tx1"/>
-            </a:solidFill>
-            <a:prstDash val="sysDash"/>
-            <a:tailEnd type="arrow"/>
+          <a:xfrm rot="16200000" flipH="1">
+            <a:off x="2268551" y="4047823"/>
+            <a:ext cx="335400" cy="194554"/>
+          </a:xfrm>
+          <a:prstGeom prst="bentConnector2">
+            <a:avLst/>
+          </a:prstGeom>
+          <a:ln w="28575">
+            <a:headEnd type="none" w="med" len="med"/>
+            <a:tailEnd type="arrow" w="med" len="med"/>
           </a:ln>
-        </p:spPr>
-        <p:style>
-          <a:lnRef idx="1">
-            <a:schemeClr val="accent1"/>
-          </a:lnRef>
-          <a:fillRef idx="0">
-            <a:schemeClr val="accent1"/>
-          </a:fillRef>
-          <a:effectRef idx="0">
-            <a:schemeClr val="accent1"/>
-          </a:effectRef>
-          <a:fontRef idx="minor">
-            <a:schemeClr val="tx1"/>
-          </a:fontRef>
-        </p:style>
-      </p:cxnSp>
-      <p:sp>
-        <p:nvSpPr>
-          <p:cNvPr id="81" name="Rectangle 80"/>
-          <p:cNvSpPr/>
-          <p:nvPr/>
-        </p:nvSpPr>
-        <p:spPr>
-          <a:xfrm>
-            <a:off x="2388853" y="788640"/>
-            <a:ext cx="1676400" cy="506760"/>
-          </a:xfrm>
-          <a:prstGeom prst="rect">
-            <a:avLst/>
-          </a:prstGeom>
         </p:spPr>
         <p:style>
           <a:lnRef idx="2">
@@ -6045,290 +7156,19 @@
             <a:schemeClr val="lt1"/>
           </a:fontRef>
         </p:style>
-        <p:txBody>
-          <a:bodyPr rtlCol="0" anchor="ctr"/>
-          <a:lstStyle/>
-          <a:p>
-            <a:pPr algn="ctr"/>
-            <a:r>
-              <a:rPr lang="en-US" sz="1600" b="1" dirty="0" err="1" smtClean="0"/>
-              <a:t>GateKeeper</a:t>
-            </a:r>
-            <a:endParaRPr lang="en-SG" sz="1600" b="1" dirty="0"/>
-          </a:p>
-        </p:txBody>
-      </p:sp>
-      <p:sp>
-        <p:nvSpPr>
-          <p:cNvPr id="82" name="Rectangle 81"/>
+      </p:cxnSp>
+      <p:sp>
+        <p:nvSpPr>
+          <p:cNvPr id="106" name="Isosceles Triangle 105"/>
           <p:cNvSpPr/>
           <p:nvPr/>
         </p:nvSpPr>
         <p:spPr>
-          <a:xfrm>
-            <a:off x="5486399" y="2556099"/>
-            <a:ext cx="1676400" cy="274320"/>
-          </a:xfrm>
-          <a:prstGeom prst="rect">
-            <a:avLst/>
-          </a:prstGeom>
-        </p:spPr>
-        <p:style>
-          <a:lnRef idx="2">
-            <a:schemeClr val="accent4">
-              <a:shade val="50000"/>
-            </a:schemeClr>
-          </a:lnRef>
-          <a:fillRef idx="1">
-            <a:schemeClr val="accent4"/>
-          </a:fillRef>
-          <a:effectRef idx="0">
-            <a:schemeClr val="accent4"/>
-          </a:effectRef>
-          <a:fontRef idx="minor">
-            <a:schemeClr val="lt1"/>
-          </a:fontRef>
-        </p:style>
-        <p:txBody>
-          <a:bodyPr rtlCol="0" anchor="ctr"/>
-          <a:lstStyle/>
-          <a:p>
-            <a:pPr algn="ctr"/>
-            <a:r>
-              <a:rPr lang="en-US" sz="1600" b="1" dirty="0" smtClean="0"/>
-              <a:t>…….. Logic</a:t>
-            </a:r>
-            <a:endParaRPr lang="en-SG" sz="1600" b="1" dirty="0"/>
-          </a:p>
-        </p:txBody>
-      </p:sp>
-      <p:cxnSp>
-        <p:nvCxnSpPr>
-          <p:cNvPr id="83" name="Straight Arrow Connector 82"/>
-          <p:cNvCxnSpPr/>
-          <p:nvPr/>
-        </p:nvCxnSpPr>
-        <p:spPr>
-          <a:xfrm flipV="1">
-            <a:off x="7162800" y="2675030"/>
-            <a:ext cx="771525" cy="4542"/>
-          </a:xfrm>
-          <a:prstGeom prst="straightConnector1">
-            <a:avLst/>
-          </a:prstGeom>
-          <a:ln w="38100">
-            <a:solidFill>
-              <a:schemeClr val="tx1"/>
-            </a:solidFill>
-            <a:prstDash val="sysDash"/>
-            <a:tailEnd type="arrow"/>
-          </a:ln>
-        </p:spPr>
-        <p:style>
-          <a:lnRef idx="1">
-            <a:schemeClr val="accent1"/>
-          </a:lnRef>
-          <a:fillRef idx="0">
-            <a:schemeClr val="accent1"/>
-          </a:fillRef>
-          <a:effectRef idx="0">
-            <a:schemeClr val="accent1"/>
-          </a:effectRef>
-          <a:fontRef idx="minor">
-            <a:schemeClr val="tx1"/>
-          </a:fontRef>
-        </p:style>
-      </p:cxnSp>
-      <p:sp>
-        <p:nvSpPr>
-          <p:cNvPr id="84" name="Rectangle 83"/>
-          <p:cNvSpPr/>
-          <p:nvPr/>
-        </p:nvSpPr>
-        <p:spPr>
-          <a:xfrm>
-            <a:off x="5488299" y="5941660"/>
-            <a:ext cx="1685065" cy="533400"/>
-          </a:xfrm>
-          <a:prstGeom prst="rect">
-            <a:avLst/>
-          </a:prstGeom>
-        </p:spPr>
-        <p:style>
-          <a:lnRef idx="2">
-            <a:schemeClr val="accent6">
-              <a:shade val="50000"/>
-            </a:schemeClr>
-          </a:lnRef>
-          <a:fillRef idx="1">
-            <a:schemeClr val="accent6"/>
-          </a:fillRef>
-          <a:effectRef idx="0">
-            <a:schemeClr val="accent6"/>
-          </a:effectRef>
-          <a:fontRef idx="minor">
-            <a:schemeClr val="lt1"/>
-          </a:fontRef>
-        </p:style>
-        <p:txBody>
-          <a:bodyPr rtlCol="0" anchor="ctr"/>
-          <a:lstStyle/>
-          <a:p>
-            <a:pPr algn="ctr"/>
-            <a:r>
-              <a:rPr lang="en-US" sz="1600" b="1" dirty="0" err="1" smtClean="0"/>
-              <a:t>EvaluationClosing</a:t>
-            </a:r>
-            <a:r>
-              <a:rPr lang="en-US" sz="1600" b="1" dirty="0" smtClean="0"/>
-              <a:t/>
-            </a:r>
-            <a:br>
-              <a:rPr lang="en-US" sz="1600" b="1" dirty="0" smtClean="0"/>
-            </a:br>
-            <a:r>
-              <a:rPr lang="en-US" sz="1600" b="1" dirty="0" err="1" smtClean="0"/>
-              <a:t>RemindersServlet</a:t>
-            </a:r>
-            <a:endParaRPr lang="en-SG" sz="1600" b="1" dirty="0"/>
-          </a:p>
-        </p:txBody>
-      </p:sp>
-      <p:sp>
-        <p:nvSpPr>
-          <p:cNvPr id="85" name="Rectangle 84"/>
-          <p:cNvSpPr/>
-          <p:nvPr/>
-        </p:nvSpPr>
-        <p:spPr>
-          <a:xfrm>
-            <a:off x="5419029" y="5987844"/>
-            <a:ext cx="1685065" cy="533400"/>
-          </a:xfrm>
-          <a:prstGeom prst="rect">
-            <a:avLst/>
-          </a:prstGeom>
-        </p:spPr>
-        <p:style>
-          <a:lnRef idx="2">
-            <a:schemeClr val="accent6">
-              <a:shade val="50000"/>
-            </a:schemeClr>
-          </a:lnRef>
-          <a:fillRef idx="1">
-            <a:schemeClr val="accent6"/>
-          </a:fillRef>
-          <a:effectRef idx="0">
-            <a:schemeClr val="accent6"/>
-          </a:effectRef>
-          <a:fontRef idx="minor">
-            <a:schemeClr val="lt1"/>
-          </a:fontRef>
-        </p:style>
-        <p:txBody>
-          <a:bodyPr rtlCol="0" anchor="ctr"/>
-          <a:lstStyle/>
-          <a:p>
-            <a:pPr algn="ctr"/>
-            <a:r>
-              <a:rPr lang="en-US" sz="1600" b="1" dirty="0" smtClean="0"/>
-              <a:t>…..</a:t>
-            </a:r>
-            <a:r>
-              <a:rPr lang="en-US" sz="1600" b="1" dirty="0" err="1" smtClean="0"/>
-              <a:t>MailAction</a:t>
-            </a:r>
-            <a:endParaRPr lang="en-SG" sz="1600" b="1" dirty="0"/>
-          </a:p>
-        </p:txBody>
-      </p:sp>
-      <p:sp>
-        <p:nvSpPr>
-          <p:cNvPr id="86" name="Isosceles Triangle 85"/>
-          <p:cNvSpPr/>
-          <p:nvPr/>
-        </p:nvSpPr>
-        <p:spPr>
-          <a:xfrm>
-            <a:off x="6123448" y="5553915"/>
-            <a:ext cx="276225" cy="228600"/>
+          <a:xfrm rot="16200000" flipH="1">
+            <a:off x="3954675" y="914400"/>
+            <a:ext cx="180000" cy="180000"/>
           </a:xfrm>
           <a:prstGeom prst="triangle">
-            <a:avLst/>
-          </a:prstGeom>
-        </p:spPr>
-        <p:style>
-          <a:lnRef idx="2">
-            <a:schemeClr val="accent6">
-              <a:shade val="50000"/>
-            </a:schemeClr>
-          </a:lnRef>
-          <a:fillRef idx="1">
-            <a:schemeClr val="accent6"/>
-          </a:fillRef>
-          <a:effectRef idx="0">
-            <a:schemeClr val="accent6"/>
-          </a:effectRef>
-          <a:fontRef idx="minor">
-            <a:schemeClr val="lt1"/>
-          </a:fontRef>
-        </p:style>
-        <p:txBody>
-          <a:bodyPr rtlCol="0" anchor="ctr"/>
-          <a:lstStyle/>
-          <a:p>
-            <a:pPr algn="ctr"/>
-            <a:endParaRPr lang="en-SG" sz="1600" b="1"/>
-          </a:p>
-        </p:txBody>
-      </p:sp>
-      <p:cxnSp>
-        <p:nvCxnSpPr>
-          <p:cNvPr id="87" name="Straight Connector 86"/>
-          <p:cNvCxnSpPr>
-            <a:stCxn id="86" idx="3"/>
-            <a:endCxn id="85" idx="0"/>
-          </p:cNvCxnSpPr>
-          <p:nvPr/>
-        </p:nvCxnSpPr>
-        <p:spPr>
-          <a:xfrm>
-            <a:off x="6261561" y="5782515"/>
-            <a:ext cx="1" cy="205329"/>
-          </a:xfrm>
-          <a:prstGeom prst="line">
-            <a:avLst/>
-          </a:prstGeom>
-        </p:spPr>
-        <p:style>
-          <a:lnRef idx="2">
-            <a:schemeClr val="accent6">
-              <a:shade val="50000"/>
-            </a:schemeClr>
-          </a:lnRef>
-          <a:fillRef idx="1">
-            <a:schemeClr val="accent6"/>
-          </a:fillRef>
-          <a:effectRef idx="0">
-            <a:schemeClr val="accent6"/>
-          </a:effectRef>
-          <a:fontRef idx="minor">
-            <a:schemeClr val="lt1"/>
-          </a:fontRef>
-        </p:style>
-      </p:cxnSp>
-      <p:sp>
-        <p:nvSpPr>
-          <p:cNvPr id="90" name="Rectangle 89"/>
-          <p:cNvSpPr/>
-          <p:nvPr/>
-        </p:nvSpPr>
-        <p:spPr>
-          <a:xfrm>
-            <a:off x="3068570" y="5068524"/>
-            <a:ext cx="1905000" cy="533400"/>
-          </a:xfrm>
-          <a:prstGeom prst="rect">
             <a:avLst/>
           </a:prstGeom>
         </p:spPr>
@@ -6353,271 +7193,59 @@
           <a:lstStyle/>
           <a:p>
             <a:pPr algn="ctr"/>
-            <a:r>
-              <a:rPr lang="en-US" sz="1600" b="1" dirty="0" smtClean="0"/>
-              <a:t>Automated</a:t>
-            </a:r>
-            <a:br>
-              <a:rPr lang="en-US" sz="1600" b="1" dirty="0" smtClean="0"/>
-            </a:br>
-            <a:r>
-              <a:rPr lang="en-US" sz="1600" b="1" dirty="0" err="1" smtClean="0"/>
-              <a:t>RemindersServlet</a:t>
-            </a:r>
-            <a:endParaRPr lang="en-SG" sz="1600" b="1" dirty="0"/>
-          </a:p>
-        </p:txBody>
-      </p:sp>
-      <p:sp>
-        <p:nvSpPr>
-          <p:cNvPr id="91" name="Rectangle 90"/>
-          <p:cNvSpPr/>
+            <a:endParaRPr lang="en-SG" sz="1600" b="1"/>
+          </a:p>
+        </p:txBody>
+      </p:sp>
+      <p:cxnSp>
+        <p:nvCxnSpPr>
+          <p:cNvPr id="108" name="Elbow Connector 107"/>
+          <p:cNvCxnSpPr>
+            <a:stCxn id="106" idx="3"/>
+            <a:endCxn id="105" idx="3"/>
+          </p:cNvCxnSpPr>
           <p:nvPr/>
-        </p:nvSpPr>
-        <p:spPr>
-          <a:xfrm>
-            <a:off x="3150666" y="5896372"/>
-            <a:ext cx="1853571" cy="533400"/>
-          </a:xfrm>
-          <a:prstGeom prst="rect">
-            <a:avLst/>
-          </a:prstGeom>
+        </p:nvCxnSpPr>
+        <p:spPr>
+          <a:xfrm flipH="1">
+            <a:off x="3886200" y="1004400"/>
+            <a:ext cx="248475" cy="375600"/>
+          </a:xfrm>
+          <a:prstGeom prst="bentConnector3">
+            <a:avLst>
+              <a:gd name="adj1" fmla="val -92001"/>
+            </a:avLst>
+          </a:prstGeom>
+          <a:ln w="25400">
+            <a:headEnd type="none" w="med" len="med"/>
+            <a:tailEnd type="none" w="med" len="med"/>
+          </a:ln>
         </p:spPr>
         <p:style>
-          <a:lnRef idx="2">
-            <a:schemeClr val="accent5">
-              <a:shade val="50000"/>
-            </a:schemeClr>
+          <a:lnRef idx="1">
+            <a:schemeClr val="accent5"/>
           </a:lnRef>
-          <a:fillRef idx="1">
+          <a:fillRef idx="0">
             <a:schemeClr val="accent5"/>
           </a:fillRef>
           <a:effectRef idx="0">
             <a:schemeClr val="accent5"/>
           </a:effectRef>
           <a:fontRef idx="minor">
-            <a:schemeClr val="lt1"/>
-          </a:fontRef>
-        </p:style>
-        <p:txBody>
-          <a:bodyPr rtlCol="0" anchor="ctr"/>
-          <a:lstStyle/>
-          <a:p>
-            <a:pPr algn="ctr"/>
-            <a:r>
-              <a:rPr lang="en-US" sz="1600" b="1" dirty="0" err="1" smtClean="0"/>
-              <a:t>EvaluationClosing</a:t>
-            </a:r>
-            <a:r>
-              <a:rPr lang="en-US" sz="1600" b="1" dirty="0" smtClean="0"/>
-              <a:t/>
-            </a:r>
-            <a:br>
-              <a:rPr lang="en-US" sz="1600" b="1" dirty="0" smtClean="0"/>
-            </a:br>
-            <a:r>
-              <a:rPr lang="en-US" sz="1600" b="1" dirty="0" err="1" smtClean="0"/>
-              <a:t>RemindersServlet</a:t>
-            </a:r>
-            <a:endParaRPr lang="en-SG" sz="1600" b="1" dirty="0"/>
-          </a:p>
-        </p:txBody>
-      </p:sp>
-      <p:sp>
-        <p:nvSpPr>
-          <p:cNvPr id="92" name="Rectangle 91"/>
-          <p:cNvSpPr/>
-          <p:nvPr/>
-        </p:nvSpPr>
-        <p:spPr>
-          <a:xfrm>
-            <a:off x="3094285" y="5956408"/>
-            <a:ext cx="1853571" cy="533400"/>
-          </a:xfrm>
-          <a:prstGeom prst="rect">
-            <a:avLst/>
-          </a:prstGeom>
-        </p:spPr>
-        <p:style>
-          <a:lnRef idx="2">
-            <a:schemeClr val="accent5">
-              <a:shade val="50000"/>
-            </a:schemeClr>
-          </a:lnRef>
-          <a:fillRef idx="1">
-            <a:schemeClr val="accent5"/>
-          </a:fillRef>
-          <a:effectRef idx="0">
-            <a:schemeClr val="accent5"/>
-          </a:effectRef>
-          <a:fontRef idx="minor">
-            <a:schemeClr val="lt1"/>
-          </a:fontRef>
-        </p:style>
-        <p:txBody>
-          <a:bodyPr rtlCol="0" anchor="ctr"/>
-          <a:lstStyle/>
-          <a:p>
-            <a:pPr algn="ctr"/>
-            <a:r>
-              <a:rPr lang="en-US" sz="1600" b="1" dirty="0" err="1" smtClean="0"/>
-              <a:t>EvaluationClosing</a:t>
-            </a:r>
-            <a:r>
-              <a:rPr lang="en-US" sz="1600" b="1" dirty="0" smtClean="0"/>
-              <a:t/>
-            </a:r>
-            <a:br>
-              <a:rPr lang="en-US" sz="1600" b="1" dirty="0" smtClean="0"/>
-            </a:br>
-            <a:r>
-              <a:rPr lang="en-US" sz="1600" b="1" dirty="0" err="1" smtClean="0"/>
-              <a:t>RemindersServlet</a:t>
-            </a:r>
-            <a:endParaRPr lang="en-SG" sz="1600" b="1" dirty="0"/>
-          </a:p>
-        </p:txBody>
-      </p:sp>
-      <p:sp>
-        <p:nvSpPr>
-          <p:cNvPr id="93" name="Rectangle 92"/>
-          <p:cNvSpPr/>
-          <p:nvPr/>
-        </p:nvSpPr>
-        <p:spPr>
-          <a:xfrm>
-            <a:off x="3025015" y="6002592"/>
-            <a:ext cx="1853571" cy="533400"/>
-          </a:xfrm>
-          <a:prstGeom prst="rect">
-            <a:avLst/>
-          </a:prstGeom>
-        </p:spPr>
-        <p:style>
-          <a:lnRef idx="2">
-            <a:schemeClr val="accent5">
-              <a:shade val="50000"/>
-            </a:schemeClr>
-          </a:lnRef>
-          <a:fillRef idx="1">
-            <a:schemeClr val="accent5"/>
-          </a:fillRef>
-          <a:effectRef idx="0">
-            <a:schemeClr val="accent5"/>
-          </a:effectRef>
-          <a:fontRef idx="minor">
-            <a:schemeClr val="lt1"/>
-          </a:fontRef>
-        </p:style>
-        <p:txBody>
-          <a:bodyPr rtlCol="0" anchor="ctr"/>
-          <a:lstStyle/>
-          <a:p>
-            <a:pPr algn="ctr"/>
-            <a:r>
-              <a:rPr lang="en-US" sz="1600" b="1" dirty="0" err="1" smtClean="0"/>
-              <a:t>EvaluationClosing</a:t>
-            </a:r>
-            <a:r>
-              <a:rPr lang="en-US" sz="1600" b="1" dirty="0" smtClean="0"/>
-              <a:t/>
-            </a:r>
-            <a:br>
-              <a:rPr lang="en-US" sz="1600" b="1" dirty="0" smtClean="0"/>
-            </a:br>
-            <a:r>
-              <a:rPr lang="en-US" sz="1600" b="1" dirty="0" err="1" smtClean="0"/>
-              <a:t>RemindersServlet</a:t>
-            </a:r>
-            <a:endParaRPr lang="en-SG" sz="1600" b="1" dirty="0"/>
-          </a:p>
-        </p:txBody>
-      </p:sp>
-      <p:sp>
-        <p:nvSpPr>
-          <p:cNvPr id="94" name="Isosceles Triangle 93"/>
-          <p:cNvSpPr/>
-          <p:nvPr/>
-        </p:nvSpPr>
-        <p:spPr>
-          <a:xfrm>
-            <a:off x="3813687" y="5598159"/>
-            <a:ext cx="276225" cy="228600"/>
-          </a:xfrm>
-          <a:prstGeom prst="triangle">
-            <a:avLst/>
-          </a:prstGeom>
-        </p:spPr>
-        <p:style>
-          <a:lnRef idx="2">
-            <a:schemeClr val="accent5">
-              <a:shade val="50000"/>
-            </a:schemeClr>
-          </a:lnRef>
-          <a:fillRef idx="1">
-            <a:schemeClr val="accent5"/>
-          </a:fillRef>
-          <a:effectRef idx="0">
-            <a:schemeClr val="accent5"/>
-          </a:effectRef>
-          <a:fontRef idx="minor">
-            <a:schemeClr val="lt1"/>
-          </a:fontRef>
-        </p:style>
-        <p:txBody>
-          <a:bodyPr rtlCol="0" anchor="ctr"/>
-          <a:lstStyle/>
-          <a:p>
-            <a:pPr algn="ctr"/>
-            <a:endParaRPr lang="en-SG" sz="1600" b="1"/>
-          </a:p>
-        </p:txBody>
-      </p:sp>
-      <p:cxnSp>
-        <p:nvCxnSpPr>
-          <p:cNvPr id="95" name="Straight Connector 94"/>
-          <p:cNvCxnSpPr>
-            <a:stCxn id="94" idx="3"/>
-            <a:endCxn id="93" idx="0"/>
-          </p:cNvCxnSpPr>
-          <p:nvPr/>
-        </p:nvCxnSpPr>
-        <p:spPr>
-          <a:xfrm>
-            <a:off x="3951800" y="5826759"/>
-            <a:ext cx="1" cy="175833"/>
-          </a:xfrm>
-          <a:prstGeom prst="line">
-            <a:avLst/>
-          </a:prstGeom>
-        </p:spPr>
-        <p:style>
-          <a:lnRef idx="2">
-            <a:schemeClr val="accent5">
-              <a:shade val="50000"/>
-            </a:schemeClr>
-          </a:lnRef>
-          <a:fillRef idx="1">
-            <a:schemeClr val="accent5"/>
-          </a:fillRef>
-          <a:effectRef idx="0">
-            <a:schemeClr val="accent5"/>
-          </a:effectRef>
-          <a:fontRef idx="minor">
-            <a:schemeClr val="lt1"/>
+            <a:schemeClr val="tx1"/>
           </a:fontRef>
         </p:style>
       </p:cxnSp>
       <p:cxnSp>
         <p:nvCxnSpPr>
-          <p:cNvPr id="96" name="Straight Arrow Connector 95"/>
+          <p:cNvPr id="109" name="Straight Arrow Connector 108"/>
           <p:cNvCxnSpPr/>
           <p:nvPr/>
         </p:nvCxnSpPr>
         <p:spPr>
           <a:xfrm flipV="1">
-            <a:off x="6319970" y="6521244"/>
-            <a:ext cx="0" cy="381000"/>
+            <a:off x="727391" y="999000"/>
+            <a:ext cx="612000" cy="4"/>
           </a:xfrm>
           <a:prstGeom prst="straightConnector1">
             <a:avLst/>
@@ -6647,14 +7275,14 @@
       </p:cxnSp>
       <p:sp>
         <p:nvSpPr>
-          <p:cNvPr id="97" name="TextBox 96"/>
+          <p:cNvPr id="110" name="TextBox 109"/>
           <p:cNvSpPr txBox="1"/>
           <p:nvPr/>
         </p:nvSpPr>
         <p:spPr>
           <a:xfrm>
-            <a:off x="5089697" y="6823067"/>
-            <a:ext cx="2149303" cy="307777"/>
+            <a:off x="76200" y="749778"/>
+            <a:ext cx="1083191" cy="1034911"/>
           </a:xfrm>
           <a:prstGeom prst="rect">
             <a:avLst/>
@@ -6751,14 +7379,33 @@
             </a:lvl9pPr>
           </a:lstStyle>
           <a:p>
-            <a:pPr algn="r"/>
             <a:r>
               <a:rPr lang="en-US" dirty="0" smtClean="0">
                 <a:solidFill>
                   <a:schemeClr val="tx1"/>
                 </a:solidFill>
               </a:rPr>
-              <a:t>App engine task queues</a:t>
+              <a:t>Public</a:t>
+            </a:r>
+          </a:p>
+          <a:p>
+            <a:r>
+              <a:rPr lang="en-US" dirty="0" smtClean="0">
+                <a:solidFill>
+                  <a:schemeClr val="tx1"/>
+                </a:solidFill>
+              </a:rPr>
+              <a:t>access</a:t>
+            </a:r>
+          </a:p>
+          <a:p>
+            <a:r>
+              <a:rPr lang="en-US" dirty="0" smtClean="0">
+                <a:solidFill>
+                  <a:schemeClr val="tx1"/>
+                </a:solidFill>
+              </a:rPr>
+              <a:t>(not access- controlled)</a:t>
             </a:r>
             <a:endParaRPr lang="en-SG" dirty="0">
               <a:solidFill>
@@ -6768,60 +7415,56 @@
           </a:p>
         </p:txBody>
       </p:sp>
-      <p:cxnSp>
-        <p:nvCxnSpPr>
-          <p:cNvPr id="98" name="Straight Arrow Connector 97"/>
-          <p:cNvCxnSpPr>
-            <a:stCxn id="91" idx="3"/>
-          </p:cNvCxnSpPr>
+      <p:sp>
+        <p:nvSpPr>
+          <p:cNvPr id="111" name="Rectangle 110"/>
+          <p:cNvSpPr/>
           <p:nvPr/>
-        </p:nvCxnSpPr>
-        <p:spPr>
-          <a:xfrm>
-            <a:off x="5004237" y="6163072"/>
-            <a:ext cx="390260" cy="0"/>
-          </a:xfrm>
-          <a:prstGeom prst="straightConnector1">
-            <a:avLst/>
-          </a:prstGeom>
-          <a:ln>
-            <a:solidFill>
-              <a:schemeClr val="accent5">
-                <a:lumMod val="75000"/>
-              </a:schemeClr>
-            </a:solidFill>
-            <a:prstDash val="sysDash"/>
-            <a:headEnd type="none" w="med" len="med"/>
-            <a:tailEnd type="arrow" w="med" len="med"/>
-          </a:ln>
+        </p:nvSpPr>
+        <p:spPr>
+          <a:xfrm>
+            <a:off x="1911853" y="1295400"/>
+            <a:ext cx="1898147" cy="288000"/>
+          </a:xfrm>
+          <a:prstGeom prst="rect">
+            <a:avLst/>
+          </a:prstGeom>
         </p:spPr>
         <p:style>
           <a:lnRef idx="2">
-            <a:schemeClr val="accent2">
+            <a:schemeClr val="accent5">
               <a:shade val="50000"/>
             </a:schemeClr>
           </a:lnRef>
           <a:fillRef idx="1">
-            <a:schemeClr val="accent2"/>
+            <a:schemeClr val="accent5"/>
           </a:fillRef>
           <a:effectRef idx="0">
-            <a:schemeClr val="accent2"/>
+            <a:schemeClr val="accent5"/>
           </a:effectRef>
           <a:fontRef idx="minor">
             <a:schemeClr val="lt1"/>
           </a:fontRef>
         </p:style>
-      </p:cxnSp>
-      <p:sp>
-        <p:nvSpPr>
-          <p:cNvPr id="88" name="Rectangle 87"/>
+        <p:txBody>
+          <a:bodyPr rtlCol="0" anchor="ctr"/>
+          <a:lstStyle/>
+          <a:p>
+            <a:pPr algn="ctr"/>
+            <a:endParaRPr lang="en-SG" sz="1600" b="1" dirty="0"/>
+          </a:p>
+        </p:txBody>
+      </p:sp>
+      <p:sp>
+        <p:nvSpPr>
+          <p:cNvPr id="105" name="Rectangle 104"/>
           <p:cNvSpPr/>
           <p:nvPr/>
         </p:nvSpPr>
         <p:spPr>
           <a:xfrm>
-            <a:off x="1246818" y="5105400"/>
-            <a:ext cx="1431255" cy="533400"/>
+            <a:off x="1988053" y="1236000"/>
+            <a:ext cx="1898147" cy="288000"/>
           </a:xfrm>
           <a:prstGeom prst="rect">
             <a:avLst/>
@@ -6829,15 +7472,15 @@
         </p:spPr>
         <p:style>
           <a:lnRef idx="2">
-            <a:schemeClr val="accent3">
+            <a:schemeClr val="accent5">
               <a:shade val="50000"/>
             </a:schemeClr>
           </a:lnRef>
           <a:fillRef idx="1">
-            <a:schemeClr val="accent3"/>
+            <a:schemeClr val="accent5"/>
           </a:fillRef>
           <a:effectRef idx="0">
-            <a:schemeClr val="accent3"/>
+            <a:schemeClr val="accent5"/>
           </a:effectRef>
           <a:fontRef idx="minor">
             <a:schemeClr val="lt1"/>
@@ -6849,8 +7492,8 @@
           <a:p>
             <a:pPr algn="ctr"/>
             <a:r>
-              <a:rPr lang="en-US" sz="1600" b="1" dirty="0" err="1" smtClean="0"/>
-              <a:t>WorkerServlet</a:t>
+              <a:rPr lang="en-US" sz="1600" b="1" dirty="0" smtClean="0"/>
+              <a:t>Public*Servlet</a:t>
             </a:r>
             <a:endParaRPr lang="en-SG" sz="1600" b="1" dirty="0"/>
           </a:p>
@@ -6858,30 +7501,36 @@
       </p:sp>
       <p:sp>
         <p:nvSpPr>
-          <p:cNvPr id="89" name="Rectangle 88"/>
+          <p:cNvPr id="107" name="Rectangle 106"/>
           <p:cNvSpPr/>
           <p:nvPr/>
         </p:nvSpPr>
         <p:spPr>
           <a:xfrm>
-            <a:off x="1287523" y="5971865"/>
-            <a:ext cx="1531877" cy="400751"/>
-          </a:xfrm>
-          <a:prstGeom prst="rect">
-            <a:avLst/>
-          </a:prstGeom>
+            <a:off x="5618610" y="3978144"/>
+            <a:ext cx="1688863" cy="303312"/>
+          </a:xfrm>
+          <a:prstGeom prst="rect">
+            <a:avLst/>
+          </a:prstGeom>
+          <a:solidFill>
+            <a:schemeClr val="accent4">
+              <a:lumMod val="60000"/>
+              <a:lumOff val="40000"/>
+            </a:schemeClr>
+          </a:solidFill>
         </p:spPr>
         <p:style>
           <a:lnRef idx="2">
-            <a:schemeClr val="accent3">
+            <a:schemeClr val="accent4">
               <a:shade val="50000"/>
             </a:schemeClr>
           </a:lnRef>
           <a:fillRef idx="1">
-            <a:schemeClr val="accent3"/>
+            <a:schemeClr val="accent4"/>
           </a:fillRef>
           <a:effectRef idx="0">
-            <a:schemeClr val="accent3"/>
+            <a:schemeClr val="accent4"/>
           </a:effectRef>
           <a:fontRef idx="minor">
             <a:schemeClr val="lt1"/>
@@ -6892,172 +7541,14 @@
           <a:lstStyle/>
           <a:p>
             <a:pPr algn="ctr"/>
+            <a:r>
+              <a:rPr lang="en-US" sz="1600" b="1" dirty="0" err="1" smtClean="0"/>
+              <a:t>Sendgrid</a:t>
+            </a:r>
             <a:endParaRPr lang="en-SG" sz="1600" b="1" dirty="0"/>
           </a:p>
         </p:txBody>
       </p:sp>
-      <p:sp>
-        <p:nvSpPr>
-          <p:cNvPr id="99" name="Rectangle 98"/>
-          <p:cNvSpPr/>
-          <p:nvPr/>
-        </p:nvSpPr>
-        <p:spPr>
-          <a:xfrm>
-            <a:off x="1231142" y="6031901"/>
-            <a:ext cx="1531877" cy="400751"/>
-          </a:xfrm>
-          <a:prstGeom prst="rect">
-            <a:avLst/>
-          </a:prstGeom>
-        </p:spPr>
-        <p:style>
-          <a:lnRef idx="2">
-            <a:schemeClr val="accent3">
-              <a:shade val="50000"/>
-            </a:schemeClr>
-          </a:lnRef>
-          <a:fillRef idx="1">
-            <a:schemeClr val="accent3"/>
-          </a:fillRef>
-          <a:effectRef idx="0">
-            <a:schemeClr val="accent3"/>
-          </a:effectRef>
-          <a:fontRef idx="minor">
-            <a:schemeClr val="lt1"/>
-          </a:fontRef>
-        </p:style>
-        <p:txBody>
-          <a:bodyPr rtlCol="0" anchor="ctr"/>
-          <a:lstStyle/>
-          <a:p>
-            <a:pPr algn="ctr"/>
-            <a:endParaRPr lang="en-SG" sz="1600" b="1" dirty="0"/>
-          </a:p>
-        </p:txBody>
-      </p:sp>
-      <p:sp>
-        <p:nvSpPr>
-          <p:cNvPr id="100" name="Rectangle 99"/>
-          <p:cNvSpPr/>
-          <p:nvPr/>
-        </p:nvSpPr>
-        <p:spPr>
-          <a:xfrm>
-            <a:off x="1139269" y="6097459"/>
-            <a:ext cx="1531877" cy="400751"/>
-          </a:xfrm>
-          <a:prstGeom prst="rect">
-            <a:avLst/>
-          </a:prstGeom>
-        </p:spPr>
-        <p:style>
-          <a:lnRef idx="2">
-            <a:schemeClr val="accent3">
-              <a:shade val="50000"/>
-            </a:schemeClr>
-          </a:lnRef>
-          <a:fillRef idx="1">
-            <a:schemeClr val="accent3"/>
-          </a:fillRef>
-          <a:effectRef idx="0">
-            <a:schemeClr val="accent3"/>
-          </a:effectRef>
-          <a:fontRef idx="minor">
-            <a:schemeClr val="lt1"/>
-          </a:fontRef>
-        </p:style>
-        <p:txBody>
-          <a:bodyPr rtlCol="0" anchor="ctr"/>
-          <a:lstStyle/>
-          <a:p>
-            <a:pPr algn="ctr"/>
-            <a:r>
-              <a:rPr lang="en-US" sz="1600" b="1" dirty="0" smtClean="0"/>
-              <a:t>*</a:t>
-            </a:r>
-            <a:r>
-              <a:rPr lang="en-US" sz="1600" b="1" dirty="0" err="1" smtClean="0"/>
-              <a:t>WorkerServlet</a:t>
-            </a:r>
-            <a:endParaRPr lang="en-SG" sz="1600" b="1" dirty="0"/>
-          </a:p>
-        </p:txBody>
-      </p:sp>
-      <p:sp>
-        <p:nvSpPr>
-          <p:cNvPr id="101" name="Isosceles Triangle 100"/>
-          <p:cNvSpPr/>
-          <p:nvPr/>
-        </p:nvSpPr>
-        <p:spPr>
-          <a:xfrm>
-            <a:off x="1767095" y="5635035"/>
-            <a:ext cx="276225" cy="228600"/>
-          </a:xfrm>
-          <a:prstGeom prst="triangle">
-            <a:avLst/>
-          </a:prstGeom>
-        </p:spPr>
-        <p:style>
-          <a:lnRef idx="2">
-            <a:schemeClr val="accent3">
-              <a:shade val="50000"/>
-            </a:schemeClr>
-          </a:lnRef>
-          <a:fillRef idx="1">
-            <a:schemeClr val="accent3"/>
-          </a:fillRef>
-          <a:effectRef idx="0">
-            <a:schemeClr val="accent3"/>
-          </a:effectRef>
-          <a:fontRef idx="minor">
-            <a:schemeClr val="lt1"/>
-          </a:fontRef>
-        </p:style>
-        <p:txBody>
-          <a:bodyPr rtlCol="0" anchor="ctr"/>
-          <a:lstStyle/>
-          <a:p>
-            <a:pPr algn="ctr"/>
-            <a:endParaRPr lang="en-SG" sz="1600" b="1"/>
-          </a:p>
-        </p:txBody>
-      </p:sp>
-      <p:cxnSp>
-        <p:nvCxnSpPr>
-          <p:cNvPr id="102" name="Straight Connector 101"/>
-          <p:cNvCxnSpPr>
-            <a:endCxn id="100" idx="0"/>
-          </p:cNvCxnSpPr>
-          <p:nvPr/>
-        </p:nvCxnSpPr>
-        <p:spPr>
-          <a:xfrm>
-            <a:off x="1905208" y="5847815"/>
-            <a:ext cx="0" cy="237756"/>
-          </a:xfrm>
-          <a:prstGeom prst="line">
-            <a:avLst/>
-          </a:prstGeom>
-        </p:spPr>
-        <p:style>
-          <a:lnRef idx="2">
-            <a:schemeClr val="accent3">
-              <a:shade val="50000"/>
-            </a:schemeClr>
-          </a:lnRef>
-          <a:fillRef idx="1">
-            <a:schemeClr val="accent3"/>
-          </a:fillRef>
-          <a:effectRef idx="0">
-            <a:schemeClr val="accent3"/>
-          </a:effectRef>
-          <a:fontRef idx="minor">
-            <a:schemeClr val="lt1"/>
-          </a:fontRef>
-        </p:style>
-      </p:cxnSp>
     </p:spTree>
     <p:extLst>
       <p:ext uri="{BB962C8B-B14F-4D97-AF65-F5344CB8AC3E}">
